--- a/resources/hw/genomic-data-visualization-HW_1.pptx
+++ b/resources/hw/genomic-data-visualization-HW_1.pptx
@@ -7,14 +7,12 @@
   <p:sldIdLst>
     <p:sldId id="256" r:id="rId2"/>
     <p:sldId id="264" r:id="rId3"/>
-    <p:sldId id="269" r:id="rId4"/>
-    <p:sldId id="270" r:id="rId5"/>
-    <p:sldId id="265" r:id="rId6"/>
-    <p:sldId id="267" r:id="rId7"/>
-    <p:sldId id="266" r:id="rId8"/>
-    <p:sldId id="268" r:id="rId9"/>
-    <p:sldId id="271" r:id="rId10"/>
-    <p:sldId id="272" r:id="rId11"/>
+    <p:sldId id="265" r:id="rId4"/>
+    <p:sldId id="267" r:id="rId5"/>
+    <p:sldId id="266" r:id="rId6"/>
+    <p:sldId id="268" r:id="rId7"/>
+    <p:sldId id="271" r:id="rId8"/>
+    <p:sldId id="272" r:id="rId9"/>
   </p:sldIdLst>
   <p:sldSz cx="12192000" cy="6858000"/>
   <p:notesSz cx="6858000" cy="9144000"/>
@@ -276,7 +274,7 @@
           <a:p>
             <a:fld id="{3B49BF8B-8FD1-1748-B518-B651293E6FA0}" type="datetimeFigureOut">
               <a:rPr lang="en-US" smtClean="0"/>
-              <a:t>1/27/23</a:t>
+              <a:t>1/25/24</a:t>
             </a:fld>
             <a:endParaRPr lang="en-US"/>
           </a:p>
@@ -446,7 +444,7 @@
           <a:p>
             <a:fld id="{3B49BF8B-8FD1-1748-B518-B651293E6FA0}" type="datetimeFigureOut">
               <a:rPr lang="en-US" smtClean="0"/>
-              <a:t>1/27/23</a:t>
+              <a:t>1/25/24</a:t>
             </a:fld>
             <a:endParaRPr lang="en-US"/>
           </a:p>
@@ -626,7 +624,7 @@
           <a:p>
             <a:fld id="{3B49BF8B-8FD1-1748-B518-B651293E6FA0}" type="datetimeFigureOut">
               <a:rPr lang="en-US" smtClean="0"/>
-              <a:t>1/27/23</a:t>
+              <a:t>1/25/24</a:t>
             </a:fld>
             <a:endParaRPr lang="en-US"/>
           </a:p>
@@ -796,7 +794,7 @@
           <a:p>
             <a:fld id="{3B49BF8B-8FD1-1748-B518-B651293E6FA0}" type="datetimeFigureOut">
               <a:rPr lang="en-US" smtClean="0"/>
-              <a:t>1/27/23</a:t>
+              <a:t>1/25/24</a:t>
             </a:fld>
             <a:endParaRPr lang="en-US"/>
           </a:p>
@@ -1056,7 +1054,7 @@
           <a:p>
             <a:fld id="{3B49BF8B-8FD1-1748-B518-B651293E6FA0}" type="datetimeFigureOut">
               <a:rPr lang="en-US" smtClean="0"/>
-              <a:t>1/27/23</a:t>
+              <a:t>1/25/24</a:t>
             </a:fld>
             <a:endParaRPr lang="en-US"/>
           </a:p>
@@ -1288,7 +1286,7 @@
           <a:p>
             <a:fld id="{3B49BF8B-8FD1-1748-B518-B651293E6FA0}" type="datetimeFigureOut">
               <a:rPr lang="en-US" smtClean="0"/>
-              <a:t>1/27/23</a:t>
+              <a:t>1/25/24</a:t>
             </a:fld>
             <a:endParaRPr lang="en-US"/>
           </a:p>
@@ -1643,7 +1641,7 @@
           <a:p>
             <a:fld id="{3B49BF8B-8FD1-1748-B518-B651293E6FA0}" type="datetimeFigureOut">
               <a:rPr lang="en-US" smtClean="0"/>
-              <a:t>1/27/23</a:t>
+              <a:t>1/25/24</a:t>
             </a:fld>
             <a:endParaRPr lang="en-US"/>
           </a:p>
@@ -1784,7 +1782,7 @@
           <a:p>
             <a:fld id="{3B49BF8B-8FD1-1748-B518-B651293E6FA0}" type="datetimeFigureOut">
               <a:rPr lang="en-US" smtClean="0"/>
-              <a:t>1/27/23</a:t>
+              <a:t>1/25/24</a:t>
             </a:fld>
             <a:endParaRPr lang="en-US"/>
           </a:p>
@@ -1879,7 +1877,7 @@
           <a:p>
             <a:fld id="{3B49BF8B-8FD1-1748-B518-B651293E6FA0}" type="datetimeFigureOut">
               <a:rPr lang="en-US" smtClean="0"/>
-              <a:t>1/27/23</a:t>
+              <a:t>1/25/24</a:t>
             </a:fld>
             <a:endParaRPr lang="en-US"/>
           </a:p>
@@ -2236,7 +2234,7 @@
           <a:p>
             <a:fld id="{3B49BF8B-8FD1-1748-B518-B651293E6FA0}" type="datetimeFigureOut">
               <a:rPr lang="en-US" smtClean="0"/>
-              <a:t>1/27/23</a:t>
+              <a:t>1/25/24</a:t>
             </a:fld>
             <a:endParaRPr lang="en-US"/>
           </a:p>
@@ -2554,7 +2552,7 @@
           <a:p>
             <a:fld id="{3B49BF8B-8FD1-1748-B518-B651293E6FA0}" type="datetimeFigureOut">
               <a:rPr lang="en-US" smtClean="0"/>
-              <a:t>1/27/23</a:t>
+              <a:t>1/25/24</a:t>
             </a:fld>
             <a:endParaRPr lang="en-US"/>
           </a:p>
@@ -2799,7 +2797,7 @@
           <a:p>
             <a:fld id="{3B49BF8B-8FD1-1748-B518-B651293E6FA0}" type="datetimeFigureOut">
               <a:rPr lang="en-US" smtClean="0"/>
-              <a:t>1/27/23</a:t>
+              <a:t>1/25/24</a:t>
             </a:fld>
             <a:endParaRPr lang="en-US"/>
           </a:p>
@@ -3323,7 +3321,1902 @@
 </p:sld>
 </file>
 
-<file path=ppt/slides/slide10.xml><?xml version="1.0" encoding="utf-8"?>
+<file path=ppt/slides/slide2.xml><?xml version="1.0" encoding="utf-8"?>
+<p:sld xmlns:a="http://schemas.openxmlformats.org/drawingml/2006/main" xmlns:r="http://schemas.openxmlformats.org/officeDocument/2006/relationships" xmlns:p="http://schemas.openxmlformats.org/presentationml/2006/main">
+  <p:cSld>
+    <p:bg>
+      <p:bgPr>
+        <a:solidFill>
+          <a:schemeClr val="bg1"/>
+        </a:solidFill>
+        <a:effectLst/>
+      </p:bgPr>
+    </p:bg>
+    <p:spTree>
+      <p:nvGrpSpPr>
+        <p:cNvPr id="1" name=""/>
+        <p:cNvGrpSpPr/>
+        <p:nvPr/>
+      </p:nvGrpSpPr>
+      <p:grpSpPr>
+        <a:xfrm>
+          <a:off x="0" y="0"/>
+          <a:ext cx="0" cy="0"/>
+          <a:chOff x="0" y="0"/>
+          <a:chExt cx="0" cy="0"/>
+        </a:xfrm>
+      </p:grpSpPr>
+      <p:sp>
+        <p:nvSpPr>
+          <p:cNvPr id="26" name="Rectangle 25">
+            <a:extLst>
+              <a:ext uri="{FF2B5EF4-FFF2-40B4-BE49-F238E27FC236}">
+                <a16:creationId xmlns:a16="http://schemas.microsoft.com/office/drawing/2014/main" id="{C33976D1-3430-450C-A978-87A9A6E8E71F}"/>
+              </a:ext>
+              <a:ext uri="{C183D7F6-B498-43B3-948B-1728B52AA6E4}">
+                <adec:decorative xmlns:adec="http://schemas.microsoft.com/office/drawing/2017/decorative" val="1"/>
+              </a:ext>
+            </a:extLst>
+          </p:cNvPr>
+          <p:cNvSpPr>
+            <a:spLocks noGrp="1" noRot="1" noChangeAspect="1" noMove="1" noResize="1" noEditPoints="1" noAdjustHandles="1" noChangeArrowheads="1" noChangeShapeType="1" noTextEdit="1"/>
+          </p:cNvSpPr>
+          <p:nvPr>
+            <p:extLst>
+              <p:ext uri="{386F3935-93C4-4BCD-93E2-E3B085C9AB24}">
+                <p16:designElem xmlns:p16="http://schemas.microsoft.com/office/powerpoint/2015/main" val="1"/>
+              </p:ext>
+            </p:extLst>
+          </p:nvPr>
+        </p:nvSpPr>
+        <p:spPr>
+          <a:xfrm>
+            <a:off x="0" y="0"/>
+            <a:ext cx="12192000" cy="6858000"/>
+          </a:xfrm>
+          <a:prstGeom prst="rect">
+            <a:avLst/>
+          </a:prstGeom>
+          <a:solidFill>
+            <a:schemeClr val="accent2"/>
+          </a:solidFill>
+          <a:ln>
+            <a:noFill/>
+          </a:ln>
+        </p:spPr>
+        <p:style>
+          <a:lnRef idx="2">
+            <a:schemeClr val="accent1">
+              <a:shade val="50000"/>
+            </a:schemeClr>
+          </a:lnRef>
+          <a:fillRef idx="1">
+            <a:schemeClr val="accent1"/>
+          </a:fillRef>
+          <a:effectRef idx="0">
+            <a:schemeClr val="accent1"/>
+          </a:effectRef>
+          <a:fontRef idx="minor">
+            <a:schemeClr val="lt1"/>
+          </a:fontRef>
+        </p:style>
+        <p:txBody>
+          <a:bodyPr rtlCol="0" anchor="ctr"/>
+          <a:lstStyle/>
+          <a:p>
+            <a:pPr algn="ctr"/>
+            <a:endParaRPr lang="en-US"/>
+          </a:p>
+        </p:txBody>
+      </p:sp>
+      <p:sp>
+        <p:nvSpPr>
+          <p:cNvPr id="28" name="Rectangle 27">
+            <a:extLst>
+              <a:ext uri="{FF2B5EF4-FFF2-40B4-BE49-F238E27FC236}">
+                <a16:creationId xmlns:a16="http://schemas.microsoft.com/office/drawing/2014/main" id="{7D6AAC78-7D86-415A-ADC1-2B474807960C}"/>
+              </a:ext>
+              <a:ext uri="{C183D7F6-B498-43B3-948B-1728B52AA6E4}">
+                <adec:decorative xmlns:adec="http://schemas.microsoft.com/office/drawing/2017/decorative" val="1"/>
+              </a:ext>
+            </a:extLst>
+          </p:cNvPr>
+          <p:cNvSpPr>
+            <a:spLocks noGrp="1" noRot="1" noChangeAspect="1" noMove="1" noResize="1" noEditPoints="1" noAdjustHandles="1" noChangeArrowheads="1" noChangeShapeType="1" noTextEdit="1"/>
+          </p:cNvSpPr>
+          <p:nvPr>
+            <p:extLst>
+              <p:ext uri="{386F3935-93C4-4BCD-93E2-E3B085C9AB24}">
+                <p16:designElem xmlns:p16="http://schemas.microsoft.com/office/powerpoint/2015/main" val="1"/>
+              </p:ext>
+            </p:extLst>
+          </p:nvPr>
+        </p:nvSpPr>
+        <p:spPr>
+          <a:xfrm>
+            <a:off x="1249680" y="1248156"/>
+            <a:ext cx="9692640" cy="4361688"/>
+          </a:xfrm>
+          <a:prstGeom prst="rect">
+            <a:avLst/>
+          </a:prstGeom>
+          <a:solidFill>
+            <a:srgbClr val="FFFFFF"/>
+          </a:solidFill>
+          <a:ln>
+            <a:noFill/>
+          </a:ln>
+        </p:spPr>
+        <p:style>
+          <a:lnRef idx="2">
+            <a:schemeClr val="accent1">
+              <a:shade val="50000"/>
+            </a:schemeClr>
+          </a:lnRef>
+          <a:fillRef idx="1">
+            <a:schemeClr val="accent1"/>
+          </a:fillRef>
+          <a:effectRef idx="0">
+            <a:schemeClr val="accent1"/>
+          </a:effectRef>
+          <a:fontRef idx="minor">
+            <a:schemeClr val="lt1"/>
+          </a:fontRef>
+        </p:style>
+        <p:txBody>
+          <a:bodyPr rtlCol="0" anchor="ctr"/>
+          <a:lstStyle/>
+          <a:p>
+            <a:pPr algn="ctr"/>
+            <a:endParaRPr lang="en-US"/>
+          </a:p>
+        </p:txBody>
+      </p:sp>
+      <p:sp>
+        <p:nvSpPr>
+          <p:cNvPr id="30" name="Rectangle 29">
+            <a:extLst>
+              <a:ext uri="{FF2B5EF4-FFF2-40B4-BE49-F238E27FC236}">
+                <a16:creationId xmlns:a16="http://schemas.microsoft.com/office/drawing/2014/main" id="{F2A658D9-F185-44F1-BA33-D50320D1D078}"/>
+              </a:ext>
+              <a:ext uri="{C183D7F6-B498-43B3-948B-1728B52AA6E4}">
+                <adec:decorative xmlns:adec="http://schemas.microsoft.com/office/drawing/2017/decorative" val="1"/>
+              </a:ext>
+            </a:extLst>
+          </p:cNvPr>
+          <p:cNvSpPr>
+            <a:spLocks noGrp="1" noRot="1" noChangeAspect="1" noMove="1" noResize="1" noEditPoints="1" noAdjustHandles="1" noChangeArrowheads="1" noChangeShapeType="1" noTextEdit="1"/>
+          </p:cNvSpPr>
+          <p:nvPr>
+            <p:extLst>
+              <p:ext uri="{386F3935-93C4-4BCD-93E2-E3B085C9AB24}">
+                <p16:designElem xmlns:p16="http://schemas.microsoft.com/office/powerpoint/2015/main" val="1"/>
+              </p:ext>
+            </p:extLst>
+          </p:nvPr>
+        </p:nvSpPr>
+        <p:spPr>
+          <a:xfrm>
+            <a:off x="1062228" y="1060704"/>
+            <a:ext cx="10067544" cy="4736592"/>
+          </a:xfrm>
+          <a:prstGeom prst="rect">
+            <a:avLst/>
+          </a:prstGeom>
+          <a:noFill/>
+          <a:ln w="31750" cap="sq">
+            <a:solidFill>
+              <a:srgbClr val="FFFFFF"/>
+            </a:solidFill>
+            <a:miter lim="800000"/>
+          </a:ln>
+        </p:spPr>
+        <p:style>
+          <a:lnRef idx="2">
+            <a:schemeClr val="accent1">
+              <a:shade val="50000"/>
+            </a:schemeClr>
+          </a:lnRef>
+          <a:fillRef idx="1">
+            <a:schemeClr val="accent1"/>
+          </a:fillRef>
+          <a:effectRef idx="0">
+            <a:schemeClr val="accent1"/>
+          </a:effectRef>
+          <a:fontRef idx="minor">
+            <a:schemeClr val="lt1"/>
+          </a:fontRef>
+        </p:style>
+        <p:txBody>
+          <a:bodyPr rtlCol="0" anchor="ctr"/>
+          <a:lstStyle/>
+          <a:p>
+            <a:pPr algn="ctr"/>
+            <a:endParaRPr lang="en-US"/>
+          </a:p>
+        </p:txBody>
+      </p:sp>
+      <p:sp>
+        <p:nvSpPr>
+          <p:cNvPr id="2" name="Title 1">
+            <a:extLst>
+              <a:ext uri="{FF2B5EF4-FFF2-40B4-BE49-F238E27FC236}">
+                <a16:creationId xmlns:a16="http://schemas.microsoft.com/office/drawing/2014/main" id="{94D8A67B-C41D-C04F-A9CD-C8CCBE14AC7C}"/>
+              </a:ext>
+            </a:extLst>
+          </p:cNvPr>
+          <p:cNvSpPr>
+            <a:spLocks noGrp="1"/>
+          </p:cNvSpPr>
+          <p:nvPr>
+            <p:ph type="title"/>
+          </p:nvPr>
+        </p:nvSpPr>
+        <p:spPr>
+          <a:xfrm>
+            <a:off x="2231136" y="467418"/>
+            <a:ext cx="7729728" cy="1188720"/>
+          </a:xfrm>
+        </p:spPr>
+        <p:txBody>
+          <a:bodyPr>
+            <a:normAutofit/>
+          </a:bodyPr>
+          <a:lstStyle/>
+          <a:p>
+            <a:r>
+              <a:rPr lang="en-US" sz="2000" dirty="0"/>
+              <a:t>Create and describe a Data Visualization using YOUR DATA</a:t>
+            </a:r>
+          </a:p>
+        </p:txBody>
+      </p:sp>
+      <p:sp>
+        <p:nvSpPr>
+          <p:cNvPr id="9" name="Content Placeholder 2">
+            <a:extLst>
+              <a:ext uri="{FF2B5EF4-FFF2-40B4-BE49-F238E27FC236}">
+                <a16:creationId xmlns:a16="http://schemas.microsoft.com/office/drawing/2014/main" id="{3CB996ED-CE04-4444-B7E2-ADBC4AFA0419}"/>
+              </a:ext>
+            </a:extLst>
+          </p:cNvPr>
+          <p:cNvSpPr>
+            <a:spLocks noGrp="1"/>
+          </p:cNvSpPr>
+          <p:nvPr>
+            <p:ph idx="1"/>
+          </p:nvPr>
+        </p:nvSpPr>
+        <p:spPr>
+          <a:xfrm>
+            <a:off x="1706062" y="2291262"/>
+            <a:ext cx="8779512" cy="2879256"/>
+          </a:xfrm>
+        </p:spPr>
+        <p:txBody>
+          <a:bodyPr>
+            <a:normAutofit lnSpcReduction="10000"/>
+          </a:bodyPr>
+          <a:lstStyle/>
+          <a:p>
+            <a:pPr marL="0" indent="0">
+              <a:lnSpc>
+                <a:spcPct val="90000"/>
+              </a:lnSpc>
+              <a:buNone/>
+            </a:pPr>
+            <a:r>
+              <a:rPr lang="en-US" sz="1500" dirty="0">
+                <a:solidFill>
+                  <a:srgbClr val="404040"/>
+                </a:solidFill>
+              </a:rPr>
+              <a:t>Your description of your data visualization must address the following questions:</a:t>
+            </a:r>
+          </a:p>
+          <a:p>
+            <a:pPr marL="342900" indent="-342900">
+              <a:lnSpc>
+                <a:spcPct val="90000"/>
+              </a:lnSpc>
+              <a:buFont typeface="Arial" panose="020B0604020202020204" pitchFamily="34" charset="0"/>
+              <a:buAutoNum type="arabicPeriod"/>
+            </a:pPr>
+            <a:r>
+              <a:rPr lang="en-US" sz="1500" dirty="0">
+                <a:solidFill>
+                  <a:srgbClr val="404040"/>
+                </a:solidFill>
+              </a:rPr>
+              <a:t>What data types are you visualizing?</a:t>
+            </a:r>
+          </a:p>
+          <a:p>
+            <a:pPr marL="342900" indent="-342900">
+              <a:lnSpc>
+                <a:spcPct val="90000"/>
+              </a:lnSpc>
+              <a:buFont typeface="Arial" panose="020B0604020202020204" pitchFamily="34" charset="0"/>
+              <a:buAutoNum type="arabicPeriod"/>
+            </a:pPr>
+            <a:r>
+              <a:rPr lang="en-US" sz="1500" dirty="0">
+                <a:solidFill>
+                  <a:srgbClr val="404040"/>
+                </a:solidFill>
+              </a:rPr>
+              <a:t>What data encodings (geometric primitives and visual channels) are you using to visualize these data types?</a:t>
+            </a:r>
+          </a:p>
+          <a:p>
+            <a:pPr marL="342900" indent="-342900">
+              <a:lnSpc>
+                <a:spcPct val="90000"/>
+              </a:lnSpc>
+              <a:buFont typeface="Arial" panose="020B0604020202020204" pitchFamily="34" charset="0"/>
+              <a:buAutoNum type="arabicPeriod"/>
+            </a:pPr>
+            <a:r>
+              <a:rPr lang="en-US" sz="1500" dirty="0">
+                <a:solidFill>
+                  <a:srgbClr val="404040"/>
+                </a:solidFill>
+              </a:rPr>
+              <a:t>What about the data are you trying to make salient through this data visualization? </a:t>
+            </a:r>
+          </a:p>
+          <a:p>
+            <a:pPr marL="342900" indent="-342900">
+              <a:lnSpc>
+                <a:spcPct val="90000"/>
+              </a:lnSpc>
+              <a:buFont typeface="Arial" panose="020B0604020202020204" pitchFamily="34" charset="0"/>
+              <a:buAutoNum type="arabicPeriod"/>
+            </a:pPr>
+            <a:r>
+              <a:rPr lang="en-US" sz="1500" dirty="0">
+                <a:solidFill>
+                  <a:srgbClr val="404040"/>
+                </a:solidFill>
+              </a:rPr>
+              <a:t>What Gestalt principles and/or knowledge about perceptiveness of visual encodings are you using to accomplish this?</a:t>
+            </a:r>
+          </a:p>
+          <a:p>
+            <a:pPr marL="342900" indent="-342900">
+              <a:lnSpc>
+                <a:spcPct val="90000"/>
+              </a:lnSpc>
+              <a:buAutoNum type="arabicPeriod"/>
+            </a:pPr>
+            <a:endParaRPr lang="en-US" sz="1500" dirty="0">
+              <a:solidFill>
+                <a:srgbClr val="404040"/>
+              </a:solidFill>
+            </a:endParaRPr>
+          </a:p>
+          <a:p>
+            <a:pPr marL="0" indent="0">
+              <a:lnSpc>
+                <a:spcPct val="90000"/>
+              </a:lnSpc>
+              <a:buNone/>
+            </a:pPr>
+            <a:r>
+              <a:rPr lang="en-US" sz="1500" dirty="0">
+                <a:solidFill>
+                  <a:srgbClr val="404040"/>
+                </a:solidFill>
+              </a:rPr>
+              <a:t>Your description must use vocabulary terms from Lesson1.  You must include the entire code you used to generate the figure so that it can be reproduced.  You must provide attribution to external resources referenced (if any) in writing your code. </a:t>
+            </a:r>
+          </a:p>
+        </p:txBody>
+      </p:sp>
+    </p:spTree>
+    <p:extLst>
+      <p:ext uri="{BB962C8B-B14F-4D97-AF65-F5344CB8AC3E}">
+        <p14:creationId xmlns:p14="http://schemas.microsoft.com/office/powerpoint/2010/main" val="3486928114"/>
+      </p:ext>
+    </p:extLst>
+  </p:cSld>
+  <p:clrMapOvr>
+    <a:masterClrMapping/>
+  </p:clrMapOvr>
+</p:sld>
+</file>
+
+<file path=ppt/slides/slide3.xml><?xml version="1.0" encoding="utf-8"?>
+<p:sld xmlns:a="http://schemas.openxmlformats.org/drawingml/2006/main" xmlns:r="http://schemas.openxmlformats.org/officeDocument/2006/relationships" xmlns:p="http://schemas.openxmlformats.org/presentationml/2006/main">
+  <p:cSld>
+    <p:spTree>
+      <p:nvGrpSpPr>
+        <p:cNvPr id="1" name=""/>
+        <p:cNvGrpSpPr/>
+        <p:nvPr/>
+      </p:nvGrpSpPr>
+      <p:grpSpPr>
+        <a:xfrm>
+          <a:off x="0" y="0"/>
+          <a:ext cx="0" cy="0"/>
+          <a:chOff x="0" y="0"/>
+          <a:chExt cx="0" cy="0"/>
+        </a:xfrm>
+      </p:grpSpPr>
+      <p:sp>
+        <p:nvSpPr>
+          <p:cNvPr id="4" name="Title 3">
+            <a:extLst>
+              <a:ext uri="{FF2B5EF4-FFF2-40B4-BE49-F238E27FC236}">
+                <a16:creationId xmlns:a16="http://schemas.microsoft.com/office/drawing/2014/main" id="{3A14E3D3-CEFF-A440-953D-97FBCB2BE115}"/>
+              </a:ext>
+            </a:extLst>
+          </p:cNvPr>
+          <p:cNvSpPr>
+            <a:spLocks noGrp="1"/>
+          </p:cNvSpPr>
+          <p:nvPr>
+            <p:ph type="ctrTitle"/>
+          </p:nvPr>
+        </p:nvSpPr>
+        <p:spPr/>
+        <p:txBody>
+          <a:bodyPr/>
+          <a:lstStyle/>
+          <a:p>
+            <a:r>
+              <a:rPr lang="en-US" dirty="0"/>
+              <a:t>Submitting your HW</a:t>
+            </a:r>
+          </a:p>
+        </p:txBody>
+      </p:sp>
+    </p:spTree>
+    <p:extLst>
+      <p:ext uri="{BB962C8B-B14F-4D97-AF65-F5344CB8AC3E}">
+        <p14:creationId xmlns:p14="http://schemas.microsoft.com/office/powerpoint/2010/main" val="615013976"/>
+      </p:ext>
+    </p:extLst>
+  </p:cSld>
+  <p:clrMapOvr>
+    <a:masterClrMapping/>
+  </p:clrMapOvr>
+</p:sld>
+</file>
+
+<file path=ppt/slides/slide4.xml><?xml version="1.0" encoding="utf-8"?>
+<p:sld xmlns:a="http://schemas.openxmlformats.org/drawingml/2006/main" xmlns:r="http://schemas.openxmlformats.org/officeDocument/2006/relationships" xmlns:p="http://schemas.openxmlformats.org/presentationml/2006/main">
+  <p:cSld>
+    <p:bg>
+      <p:bgPr>
+        <a:solidFill>
+          <a:schemeClr val="bg1"/>
+        </a:solidFill>
+        <a:effectLst/>
+      </p:bgPr>
+    </p:bg>
+    <p:spTree>
+      <p:nvGrpSpPr>
+        <p:cNvPr id="1" name=""/>
+        <p:cNvGrpSpPr/>
+        <p:nvPr/>
+      </p:nvGrpSpPr>
+      <p:grpSpPr>
+        <a:xfrm>
+          <a:off x="0" y="0"/>
+          <a:ext cx="0" cy="0"/>
+          <a:chOff x="0" y="0"/>
+          <a:chExt cx="0" cy="0"/>
+        </a:xfrm>
+      </p:grpSpPr>
+      <p:sp>
+        <p:nvSpPr>
+          <p:cNvPr id="26" name="Rectangle 25">
+            <a:extLst>
+              <a:ext uri="{FF2B5EF4-FFF2-40B4-BE49-F238E27FC236}">
+                <a16:creationId xmlns:a16="http://schemas.microsoft.com/office/drawing/2014/main" id="{C33976D1-3430-450C-A978-87A9A6E8E71F}"/>
+              </a:ext>
+              <a:ext uri="{C183D7F6-B498-43B3-948B-1728B52AA6E4}">
+                <adec:decorative xmlns:adec="http://schemas.microsoft.com/office/drawing/2017/decorative" val="1"/>
+              </a:ext>
+            </a:extLst>
+          </p:cNvPr>
+          <p:cNvSpPr>
+            <a:spLocks noGrp="1" noRot="1" noChangeAspect="1" noMove="1" noResize="1" noEditPoints="1" noAdjustHandles="1" noChangeArrowheads="1" noChangeShapeType="1" noTextEdit="1"/>
+          </p:cNvSpPr>
+          <p:nvPr>
+            <p:extLst>
+              <p:ext uri="{386F3935-93C4-4BCD-93E2-E3B085C9AB24}">
+                <p16:designElem xmlns:p16="http://schemas.microsoft.com/office/powerpoint/2015/main" val="1"/>
+              </p:ext>
+            </p:extLst>
+          </p:nvPr>
+        </p:nvSpPr>
+        <p:spPr>
+          <a:xfrm>
+            <a:off x="0" y="0"/>
+            <a:ext cx="12192000" cy="6858000"/>
+          </a:xfrm>
+          <a:prstGeom prst="rect">
+            <a:avLst/>
+          </a:prstGeom>
+          <a:solidFill>
+            <a:schemeClr val="accent2"/>
+          </a:solidFill>
+          <a:ln>
+            <a:noFill/>
+          </a:ln>
+        </p:spPr>
+        <p:style>
+          <a:lnRef idx="2">
+            <a:schemeClr val="accent1">
+              <a:shade val="50000"/>
+            </a:schemeClr>
+          </a:lnRef>
+          <a:fillRef idx="1">
+            <a:schemeClr val="accent1"/>
+          </a:fillRef>
+          <a:effectRef idx="0">
+            <a:schemeClr val="accent1"/>
+          </a:effectRef>
+          <a:fontRef idx="minor">
+            <a:schemeClr val="lt1"/>
+          </a:fontRef>
+        </p:style>
+        <p:txBody>
+          <a:bodyPr rtlCol="0" anchor="ctr"/>
+          <a:lstStyle/>
+          <a:p>
+            <a:pPr algn="ctr"/>
+            <a:endParaRPr lang="en-US"/>
+          </a:p>
+        </p:txBody>
+      </p:sp>
+      <p:sp>
+        <p:nvSpPr>
+          <p:cNvPr id="28" name="Rectangle 27">
+            <a:extLst>
+              <a:ext uri="{FF2B5EF4-FFF2-40B4-BE49-F238E27FC236}">
+                <a16:creationId xmlns:a16="http://schemas.microsoft.com/office/drawing/2014/main" id="{7D6AAC78-7D86-415A-ADC1-2B474807960C}"/>
+              </a:ext>
+              <a:ext uri="{C183D7F6-B498-43B3-948B-1728B52AA6E4}">
+                <adec:decorative xmlns:adec="http://schemas.microsoft.com/office/drawing/2017/decorative" val="1"/>
+              </a:ext>
+            </a:extLst>
+          </p:cNvPr>
+          <p:cNvSpPr>
+            <a:spLocks noGrp="1" noRot="1" noChangeAspect="1" noMove="1" noResize="1" noEditPoints="1" noAdjustHandles="1" noChangeArrowheads="1" noChangeShapeType="1" noTextEdit="1"/>
+          </p:cNvSpPr>
+          <p:nvPr>
+            <p:extLst>
+              <p:ext uri="{386F3935-93C4-4BCD-93E2-E3B085C9AB24}">
+                <p16:designElem xmlns:p16="http://schemas.microsoft.com/office/powerpoint/2015/main" val="1"/>
+              </p:ext>
+            </p:extLst>
+          </p:nvPr>
+        </p:nvSpPr>
+        <p:spPr>
+          <a:xfrm>
+            <a:off x="1249680" y="1248156"/>
+            <a:ext cx="9692640" cy="4361688"/>
+          </a:xfrm>
+          <a:prstGeom prst="rect">
+            <a:avLst/>
+          </a:prstGeom>
+          <a:solidFill>
+            <a:srgbClr val="FFFFFF"/>
+          </a:solidFill>
+          <a:ln>
+            <a:noFill/>
+          </a:ln>
+        </p:spPr>
+        <p:style>
+          <a:lnRef idx="2">
+            <a:schemeClr val="accent1">
+              <a:shade val="50000"/>
+            </a:schemeClr>
+          </a:lnRef>
+          <a:fillRef idx="1">
+            <a:schemeClr val="accent1"/>
+          </a:fillRef>
+          <a:effectRef idx="0">
+            <a:schemeClr val="accent1"/>
+          </a:effectRef>
+          <a:fontRef idx="minor">
+            <a:schemeClr val="lt1"/>
+          </a:fontRef>
+        </p:style>
+        <p:txBody>
+          <a:bodyPr rtlCol="0" anchor="ctr"/>
+          <a:lstStyle/>
+          <a:p>
+            <a:pPr algn="ctr"/>
+            <a:endParaRPr lang="en-US"/>
+          </a:p>
+        </p:txBody>
+      </p:sp>
+      <p:sp>
+        <p:nvSpPr>
+          <p:cNvPr id="30" name="Rectangle 29">
+            <a:extLst>
+              <a:ext uri="{FF2B5EF4-FFF2-40B4-BE49-F238E27FC236}">
+                <a16:creationId xmlns:a16="http://schemas.microsoft.com/office/drawing/2014/main" id="{F2A658D9-F185-44F1-BA33-D50320D1D078}"/>
+              </a:ext>
+              <a:ext uri="{C183D7F6-B498-43B3-948B-1728B52AA6E4}">
+                <adec:decorative xmlns:adec="http://schemas.microsoft.com/office/drawing/2017/decorative" val="1"/>
+              </a:ext>
+            </a:extLst>
+          </p:cNvPr>
+          <p:cNvSpPr>
+            <a:spLocks noGrp="1" noRot="1" noChangeAspect="1" noMove="1" noResize="1" noEditPoints="1" noAdjustHandles="1" noChangeArrowheads="1" noChangeShapeType="1" noTextEdit="1"/>
+          </p:cNvSpPr>
+          <p:nvPr>
+            <p:extLst>
+              <p:ext uri="{386F3935-93C4-4BCD-93E2-E3B085C9AB24}">
+                <p16:designElem xmlns:p16="http://schemas.microsoft.com/office/powerpoint/2015/main" val="1"/>
+              </p:ext>
+            </p:extLst>
+          </p:nvPr>
+        </p:nvSpPr>
+        <p:spPr>
+          <a:xfrm>
+            <a:off x="1062228" y="1060704"/>
+            <a:ext cx="10067544" cy="4736592"/>
+          </a:xfrm>
+          <a:prstGeom prst="rect">
+            <a:avLst/>
+          </a:prstGeom>
+          <a:noFill/>
+          <a:ln w="31750" cap="sq">
+            <a:solidFill>
+              <a:srgbClr val="FFFFFF"/>
+            </a:solidFill>
+            <a:miter lim="800000"/>
+          </a:ln>
+        </p:spPr>
+        <p:style>
+          <a:lnRef idx="2">
+            <a:schemeClr val="accent1">
+              <a:shade val="50000"/>
+            </a:schemeClr>
+          </a:lnRef>
+          <a:fillRef idx="1">
+            <a:schemeClr val="accent1"/>
+          </a:fillRef>
+          <a:effectRef idx="0">
+            <a:schemeClr val="accent1"/>
+          </a:effectRef>
+          <a:fontRef idx="minor">
+            <a:schemeClr val="lt1"/>
+          </a:fontRef>
+        </p:style>
+        <p:txBody>
+          <a:bodyPr rtlCol="0" anchor="ctr"/>
+          <a:lstStyle/>
+          <a:p>
+            <a:pPr algn="ctr"/>
+            <a:endParaRPr lang="en-US"/>
+          </a:p>
+        </p:txBody>
+      </p:sp>
+      <p:sp>
+        <p:nvSpPr>
+          <p:cNvPr id="2" name="Title 1">
+            <a:extLst>
+              <a:ext uri="{FF2B5EF4-FFF2-40B4-BE49-F238E27FC236}">
+                <a16:creationId xmlns:a16="http://schemas.microsoft.com/office/drawing/2014/main" id="{94D8A67B-C41D-C04F-A9CD-C8CCBE14AC7C}"/>
+              </a:ext>
+            </a:extLst>
+          </p:cNvPr>
+          <p:cNvSpPr>
+            <a:spLocks noGrp="1"/>
+          </p:cNvSpPr>
+          <p:nvPr>
+            <p:ph type="title"/>
+          </p:nvPr>
+        </p:nvSpPr>
+        <p:spPr>
+          <a:xfrm>
+            <a:off x="2231136" y="467418"/>
+            <a:ext cx="7729728" cy="1188720"/>
+          </a:xfrm>
+        </p:spPr>
+        <p:txBody>
+          <a:bodyPr>
+            <a:normAutofit/>
+          </a:bodyPr>
+          <a:lstStyle/>
+          <a:p>
+            <a:r>
+              <a:rPr lang="en-US" sz="2000" dirty="0"/>
+              <a:t>To submit your homework, follow the steps from HW0, summarized here</a:t>
+            </a:r>
+          </a:p>
+        </p:txBody>
+      </p:sp>
+      <p:sp>
+        <p:nvSpPr>
+          <p:cNvPr id="9" name="Content Placeholder 2">
+            <a:extLst>
+              <a:ext uri="{FF2B5EF4-FFF2-40B4-BE49-F238E27FC236}">
+                <a16:creationId xmlns:a16="http://schemas.microsoft.com/office/drawing/2014/main" id="{3CB996ED-CE04-4444-B7E2-ADBC4AFA0419}"/>
+              </a:ext>
+            </a:extLst>
+          </p:cNvPr>
+          <p:cNvSpPr>
+            <a:spLocks noGrp="1"/>
+          </p:cNvSpPr>
+          <p:nvPr>
+            <p:ph idx="1"/>
+          </p:nvPr>
+        </p:nvSpPr>
+        <p:spPr>
+          <a:xfrm>
+            <a:off x="1706062" y="2291262"/>
+            <a:ext cx="8779512" cy="2879256"/>
+          </a:xfrm>
+        </p:spPr>
+        <p:txBody>
+          <a:bodyPr>
+            <a:normAutofit/>
+          </a:bodyPr>
+          <a:lstStyle/>
+          <a:p>
+            <a:pPr marL="0" indent="0">
+              <a:lnSpc>
+                <a:spcPct val="90000"/>
+              </a:lnSpc>
+              <a:buNone/>
+            </a:pPr>
+            <a:r>
+              <a:rPr lang="en-US" sz="1500" dirty="0">
+                <a:solidFill>
+                  <a:srgbClr val="404040"/>
+                </a:solidFill>
+              </a:rPr>
+              <a:t>0.  Update your personal fork by fetching upstream</a:t>
+            </a:r>
+          </a:p>
+          <a:p>
+            <a:pPr marL="0" indent="0">
+              <a:lnSpc>
+                <a:spcPct val="90000"/>
+              </a:lnSpc>
+              <a:buNone/>
+            </a:pPr>
+            <a:r>
+              <a:rPr lang="en-US" sz="1500" dirty="0">
+                <a:solidFill>
+                  <a:srgbClr val="404040"/>
+                </a:solidFill>
+              </a:rPr>
+              <a:t>1. Save your data visualization to the homework/</a:t>
+            </a:r>
+            <a:r>
+              <a:rPr lang="en-US" sz="1500" dirty="0" err="1">
+                <a:solidFill>
+                  <a:srgbClr val="404040"/>
+                </a:solidFill>
+              </a:rPr>
+              <a:t>hw</a:t>
+            </a:r>
+            <a:r>
+              <a:rPr lang="en-US" sz="1500" dirty="0">
+                <a:solidFill>
+                  <a:srgbClr val="404040"/>
+                </a:solidFill>
+              </a:rPr>
+              <a:t>[N]/ folder using </a:t>
+            </a:r>
+            <a:r>
+              <a:rPr lang="en-US" sz="1500" dirty="0" err="1">
+                <a:solidFill>
+                  <a:srgbClr val="404040"/>
+                </a:solidFill>
+              </a:rPr>
+              <a:t>hw</a:t>
+            </a:r>
+            <a:r>
+              <a:rPr lang="en-US" sz="1500" dirty="0">
+                <a:solidFill>
+                  <a:srgbClr val="404040"/>
+                </a:solidFill>
+              </a:rPr>
+              <a:t>[N]_[</a:t>
+            </a:r>
+            <a:r>
+              <a:rPr lang="en-US" sz="1500" dirty="0" err="1">
+                <a:solidFill>
+                  <a:srgbClr val="404040"/>
+                </a:solidFill>
+              </a:rPr>
+              <a:t>jhed</a:t>
+            </a:r>
+            <a:r>
+              <a:rPr lang="en-US" sz="1500" dirty="0">
+                <a:solidFill>
+                  <a:srgbClr val="404040"/>
+                </a:solidFill>
+              </a:rPr>
+              <a:t>].</a:t>
+            </a:r>
+            <a:r>
+              <a:rPr lang="en-US" sz="1500" dirty="0" err="1">
+                <a:solidFill>
+                  <a:srgbClr val="404040"/>
+                </a:solidFill>
+              </a:rPr>
+              <a:t>png</a:t>
+            </a:r>
+            <a:endParaRPr lang="en-US" sz="1500" dirty="0">
+              <a:solidFill>
+                <a:srgbClr val="404040"/>
+              </a:solidFill>
+            </a:endParaRPr>
+          </a:p>
+          <a:p>
+            <a:pPr marL="0" indent="0">
+              <a:lnSpc>
+                <a:spcPct val="90000"/>
+              </a:lnSpc>
+              <a:buNone/>
+            </a:pPr>
+            <a:r>
+              <a:rPr lang="en-US" sz="1500" dirty="0">
+                <a:solidFill>
+                  <a:srgbClr val="404040"/>
+                </a:solidFill>
+              </a:rPr>
+              <a:t>2. Create a .md file in main/_posts/ following the 2024-01-25-jfan9.md file</a:t>
+            </a:r>
+          </a:p>
+          <a:p>
+            <a:pPr marL="0" indent="0">
+              <a:lnSpc>
+                <a:spcPct val="90000"/>
+              </a:lnSpc>
+              <a:buNone/>
+            </a:pPr>
+            <a:r>
+              <a:rPr lang="en-US" sz="1500" dirty="0">
+                <a:solidFill>
+                  <a:srgbClr val="404040"/>
+                </a:solidFill>
+              </a:rPr>
+              <a:t>3. Double check your post and make a pull request as you learned from HW0</a:t>
+            </a:r>
+          </a:p>
+          <a:p>
+            <a:pPr marL="0" indent="0">
+              <a:lnSpc>
+                <a:spcPct val="90000"/>
+              </a:lnSpc>
+              <a:buNone/>
+            </a:pPr>
+            <a:endParaRPr lang="en-US" sz="1500" dirty="0">
+              <a:solidFill>
+                <a:srgbClr val="404040"/>
+              </a:solidFill>
+            </a:endParaRPr>
+          </a:p>
+        </p:txBody>
+      </p:sp>
+    </p:spTree>
+    <p:extLst>
+      <p:ext uri="{BB962C8B-B14F-4D97-AF65-F5344CB8AC3E}">
+        <p14:creationId xmlns:p14="http://schemas.microsoft.com/office/powerpoint/2010/main" val="1345784553"/>
+      </p:ext>
+    </p:extLst>
+  </p:cSld>
+  <p:clrMapOvr>
+    <a:masterClrMapping/>
+  </p:clrMapOvr>
+</p:sld>
+</file>
+
+<file path=ppt/slides/slide5.xml><?xml version="1.0" encoding="utf-8"?>
+<p:sld xmlns:a="http://schemas.openxmlformats.org/drawingml/2006/main" xmlns:r="http://schemas.openxmlformats.org/officeDocument/2006/relationships" xmlns:p="http://schemas.openxmlformats.org/presentationml/2006/main">
+  <p:cSld>
+    <p:spTree>
+      <p:nvGrpSpPr>
+        <p:cNvPr id="1" name=""/>
+        <p:cNvGrpSpPr/>
+        <p:nvPr/>
+      </p:nvGrpSpPr>
+      <p:grpSpPr>
+        <a:xfrm>
+          <a:off x="0" y="0"/>
+          <a:ext cx="0" cy="0"/>
+          <a:chOff x="0" y="0"/>
+          <a:chExt cx="0" cy="0"/>
+        </a:xfrm>
+      </p:grpSpPr>
+      <p:sp>
+        <p:nvSpPr>
+          <p:cNvPr id="2" name="Title 1">
+            <a:extLst>
+              <a:ext uri="{FF2B5EF4-FFF2-40B4-BE49-F238E27FC236}">
+                <a16:creationId xmlns:a16="http://schemas.microsoft.com/office/drawing/2014/main" id="{0F613BC9-5672-324A-BEEC-FF4F97861E7F}"/>
+              </a:ext>
+            </a:extLst>
+          </p:cNvPr>
+          <p:cNvSpPr>
+            <a:spLocks noGrp="1"/>
+          </p:cNvSpPr>
+          <p:nvPr>
+            <p:ph type="title"/>
+          </p:nvPr>
+        </p:nvSpPr>
+        <p:spPr/>
+        <p:txBody>
+          <a:bodyPr>
+            <a:normAutofit/>
+          </a:bodyPr>
+          <a:lstStyle/>
+          <a:p>
+            <a:r>
+              <a:rPr lang="en-US" dirty="0">
+                <a:solidFill>
+                  <a:srgbClr val="404040"/>
+                </a:solidFill>
+              </a:rPr>
+              <a:t>0. Update your personal fork by fetching upstream</a:t>
+            </a:r>
+            <a:endParaRPr lang="en-US" dirty="0"/>
+          </a:p>
+        </p:txBody>
+      </p:sp>
+      <p:pic>
+        <p:nvPicPr>
+          <p:cNvPr id="15" name="Content Placeholder 10">
+            <a:extLst>
+              <a:ext uri="{FF2B5EF4-FFF2-40B4-BE49-F238E27FC236}">
+                <a16:creationId xmlns:a16="http://schemas.microsoft.com/office/drawing/2014/main" id="{FBFF714A-73F4-7646-AD0F-E7CBE8BC22CB}"/>
+              </a:ext>
+            </a:extLst>
+          </p:cNvPr>
+          <p:cNvPicPr>
+            <a:picLocks noGrp="1" noChangeAspect="1"/>
+          </p:cNvPicPr>
+          <p:nvPr>
+            <p:ph idx="1"/>
+          </p:nvPr>
+        </p:nvPicPr>
+        <p:blipFill>
+          <a:blip r:embed="rId2"/>
+          <a:stretch>
+            <a:fillRect/>
+          </a:stretch>
+        </p:blipFill>
+        <p:spPr>
+          <a:xfrm>
+            <a:off x="1901371" y="2478768"/>
+            <a:ext cx="8389257" cy="4037012"/>
+          </a:xfrm>
+          <a:prstGeom prst="rect">
+            <a:avLst/>
+          </a:prstGeom>
+        </p:spPr>
+      </p:pic>
+      <p:sp>
+        <p:nvSpPr>
+          <p:cNvPr id="16" name="Rectangle 15">
+            <a:extLst>
+              <a:ext uri="{FF2B5EF4-FFF2-40B4-BE49-F238E27FC236}">
+                <a16:creationId xmlns:a16="http://schemas.microsoft.com/office/drawing/2014/main" id="{B98FA45E-1CC2-2942-84B8-8645DD69ABAD}"/>
+              </a:ext>
+            </a:extLst>
+          </p:cNvPr>
+          <p:cNvSpPr/>
+          <p:nvPr/>
+        </p:nvSpPr>
+        <p:spPr>
+          <a:xfrm>
+            <a:off x="6562814" y="4154374"/>
+            <a:ext cx="1084804" cy="342900"/>
+          </a:xfrm>
+          <a:prstGeom prst="rect">
+            <a:avLst/>
+          </a:prstGeom>
+          <a:noFill/>
+          <a:ln w="76200">
+            <a:solidFill>
+              <a:srgbClr val="FFFF00"/>
+            </a:solidFill>
+          </a:ln>
+        </p:spPr>
+        <p:style>
+          <a:lnRef idx="2">
+            <a:schemeClr val="accent1">
+              <a:shade val="50000"/>
+            </a:schemeClr>
+          </a:lnRef>
+          <a:fillRef idx="1">
+            <a:schemeClr val="accent1"/>
+          </a:fillRef>
+          <a:effectRef idx="0">
+            <a:schemeClr val="accent1"/>
+          </a:effectRef>
+          <a:fontRef idx="minor">
+            <a:schemeClr val="lt1"/>
+          </a:fontRef>
+        </p:style>
+        <p:txBody>
+          <a:bodyPr rtlCol="0" anchor="ctr"/>
+          <a:lstStyle/>
+          <a:p>
+            <a:pPr algn="ctr"/>
+            <a:endParaRPr lang="en-US"/>
+          </a:p>
+        </p:txBody>
+      </p:sp>
+    </p:spTree>
+    <p:extLst>
+      <p:ext uri="{BB962C8B-B14F-4D97-AF65-F5344CB8AC3E}">
+        <p14:creationId xmlns:p14="http://schemas.microsoft.com/office/powerpoint/2010/main" val="2388328988"/>
+      </p:ext>
+    </p:extLst>
+  </p:cSld>
+  <p:clrMapOvr>
+    <a:masterClrMapping/>
+  </p:clrMapOvr>
+</p:sld>
+</file>
+
+<file path=ppt/slides/slide6.xml><?xml version="1.0" encoding="utf-8"?>
+<p:sld xmlns:a="http://schemas.openxmlformats.org/drawingml/2006/main" xmlns:r="http://schemas.openxmlformats.org/officeDocument/2006/relationships" xmlns:p="http://schemas.openxmlformats.org/presentationml/2006/main">
+  <p:cSld>
+    <p:spTree>
+      <p:nvGrpSpPr>
+        <p:cNvPr id="1" name=""/>
+        <p:cNvGrpSpPr/>
+        <p:nvPr/>
+      </p:nvGrpSpPr>
+      <p:grpSpPr>
+        <a:xfrm>
+          <a:off x="0" y="0"/>
+          <a:ext cx="0" cy="0"/>
+          <a:chOff x="0" y="0"/>
+          <a:chExt cx="0" cy="0"/>
+        </a:xfrm>
+      </p:grpSpPr>
+      <p:sp>
+        <p:nvSpPr>
+          <p:cNvPr id="2" name="Title 1">
+            <a:extLst>
+              <a:ext uri="{FF2B5EF4-FFF2-40B4-BE49-F238E27FC236}">
+                <a16:creationId xmlns:a16="http://schemas.microsoft.com/office/drawing/2014/main" id="{6D98D694-8775-F24C-BA84-84001A185CD9}"/>
+              </a:ext>
+            </a:extLst>
+          </p:cNvPr>
+          <p:cNvSpPr>
+            <a:spLocks noGrp="1"/>
+          </p:cNvSpPr>
+          <p:nvPr>
+            <p:ph type="title"/>
+          </p:nvPr>
+        </p:nvSpPr>
+        <p:spPr/>
+        <p:txBody>
+          <a:bodyPr>
+            <a:normAutofit fontScale="90000"/>
+          </a:bodyPr>
+          <a:lstStyle/>
+          <a:p>
+            <a:r>
+              <a:rPr lang="en-US" dirty="0">
+                <a:solidFill>
+                  <a:srgbClr val="404040"/>
+                </a:solidFill>
+              </a:rPr>
+              <a:t>1. Save your data visualization to the homework/</a:t>
+            </a:r>
+            <a:r>
+              <a:rPr lang="en-US" dirty="0" err="1">
+                <a:solidFill>
+                  <a:srgbClr val="404040"/>
+                </a:solidFill>
+              </a:rPr>
+              <a:t>hw</a:t>
+            </a:r>
+            <a:r>
+              <a:rPr lang="en-US" dirty="0">
+                <a:solidFill>
+                  <a:srgbClr val="404040"/>
+                </a:solidFill>
+              </a:rPr>
+              <a:t>[N]/ folder using </a:t>
+            </a:r>
+            <a:r>
+              <a:rPr lang="en-US" sz="2800" dirty="0">
+                <a:solidFill>
+                  <a:srgbClr val="404040"/>
+                </a:solidFill>
+              </a:rPr>
+              <a:t>/</a:t>
+            </a:r>
+            <a:r>
+              <a:rPr lang="en-US" sz="2800" dirty="0" err="1">
+                <a:solidFill>
+                  <a:srgbClr val="404040"/>
+                </a:solidFill>
+              </a:rPr>
+              <a:t>hw</a:t>
+            </a:r>
+            <a:r>
+              <a:rPr lang="en-US" sz="2800" dirty="0">
+                <a:solidFill>
+                  <a:srgbClr val="404040"/>
+                </a:solidFill>
+              </a:rPr>
+              <a:t>[N]/ folder using </a:t>
+            </a:r>
+            <a:r>
+              <a:rPr lang="en-US" sz="2800" dirty="0" err="1">
+                <a:solidFill>
+                  <a:srgbClr val="404040"/>
+                </a:solidFill>
+              </a:rPr>
+              <a:t>hw</a:t>
+            </a:r>
+            <a:r>
+              <a:rPr lang="en-US" sz="2800" dirty="0">
+                <a:solidFill>
+                  <a:srgbClr val="404040"/>
+                </a:solidFill>
+              </a:rPr>
+              <a:t>[N]_[</a:t>
+            </a:r>
+            <a:r>
+              <a:rPr lang="en-US" sz="2800" dirty="0" err="1">
+                <a:solidFill>
+                  <a:srgbClr val="404040"/>
+                </a:solidFill>
+              </a:rPr>
+              <a:t>jhed</a:t>
+            </a:r>
+            <a:r>
+              <a:rPr lang="en-US" sz="2800" dirty="0">
+                <a:solidFill>
+                  <a:srgbClr val="404040"/>
+                </a:solidFill>
+              </a:rPr>
+              <a:t>].</a:t>
+            </a:r>
+            <a:r>
+              <a:rPr lang="en-US" sz="2800" dirty="0" err="1">
+                <a:solidFill>
+                  <a:srgbClr val="404040"/>
+                </a:solidFill>
+              </a:rPr>
+              <a:t>png</a:t>
+            </a:r>
+            <a:endParaRPr lang="en-US" dirty="0">
+              <a:solidFill>
+                <a:srgbClr val="404040"/>
+              </a:solidFill>
+              <a:latin typeface="+mn-lt"/>
+            </a:endParaRPr>
+          </a:p>
+        </p:txBody>
+      </p:sp>
+      <p:pic>
+        <p:nvPicPr>
+          <p:cNvPr id="10" name="Picture 9" descr="Graphical user interface, application&#10;&#10;Description automatically generated">
+            <a:extLst>
+              <a:ext uri="{FF2B5EF4-FFF2-40B4-BE49-F238E27FC236}">
+                <a16:creationId xmlns:a16="http://schemas.microsoft.com/office/drawing/2014/main" id="{C313CAD1-ED4C-8244-B495-E4CAAE2B91E2}"/>
+              </a:ext>
+            </a:extLst>
+          </p:cNvPr>
+          <p:cNvPicPr>
+            <a:picLocks noChangeAspect="1"/>
+          </p:cNvPicPr>
+          <p:nvPr/>
+        </p:nvPicPr>
+        <p:blipFill>
+          <a:blip r:embed="rId2"/>
+          <a:stretch>
+            <a:fillRect/>
+          </a:stretch>
+        </p:blipFill>
+        <p:spPr>
+          <a:xfrm>
+            <a:off x="2850467" y="2382854"/>
+            <a:ext cx="5829075" cy="3996173"/>
+          </a:xfrm>
+          <a:prstGeom prst="rect">
+            <a:avLst/>
+          </a:prstGeom>
+        </p:spPr>
+      </p:pic>
+    </p:spTree>
+    <p:extLst>
+      <p:ext uri="{BB962C8B-B14F-4D97-AF65-F5344CB8AC3E}">
+        <p14:creationId xmlns:p14="http://schemas.microsoft.com/office/powerpoint/2010/main" val="2178692491"/>
+      </p:ext>
+    </p:extLst>
+  </p:cSld>
+  <p:clrMapOvr>
+    <a:masterClrMapping/>
+  </p:clrMapOvr>
+</p:sld>
+</file>
+
+<file path=ppt/slides/slide7.xml><?xml version="1.0" encoding="utf-8"?>
+<p:sld xmlns:a="http://schemas.openxmlformats.org/drawingml/2006/main" xmlns:r="http://schemas.openxmlformats.org/officeDocument/2006/relationships" xmlns:p="http://schemas.openxmlformats.org/presentationml/2006/main">
+  <p:cSld>
+    <p:spTree>
+      <p:nvGrpSpPr>
+        <p:cNvPr id="1" name=""/>
+        <p:cNvGrpSpPr/>
+        <p:nvPr/>
+      </p:nvGrpSpPr>
+      <p:grpSpPr>
+        <a:xfrm>
+          <a:off x="0" y="0"/>
+          <a:ext cx="0" cy="0"/>
+          <a:chOff x="0" y="0"/>
+          <a:chExt cx="0" cy="0"/>
+        </a:xfrm>
+      </p:grpSpPr>
+      <p:sp>
+        <p:nvSpPr>
+          <p:cNvPr id="2" name="Title 1">
+            <a:extLst>
+              <a:ext uri="{FF2B5EF4-FFF2-40B4-BE49-F238E27FC236}">
+                <a16:creationId xmlns:a16="http://schemas.microsoft.com/office/drawing/2014/main" id="{92071CCC-6D13-D94C-81E4-2743EB8220B8}"/>
+              </a:ext>
+            </a:extLst>
+          </p:cNvPr>
+          <p:cNvSpPr>
+            <a:spLocks noGrp="1"/>
+          </p:cNvSpPr>
+          <p:nvPr>
+            <p:ph type="title"/>
+          </p:nvPr>
+        </p:nvSpPr>
+        <p:spPr/>
+        <p:txBody>
+          <a:bodyPr>
+            <a:normAutofit fontScale="90000"/>
+          </a:bodyPr>
+          <a:lstStyle/>
+          <a:p>
+            <a:r>
+              <a:rPr lang="en-US" dirty="0">
+                <a:solidFill>
+                  <a:srgbClr val="404040"/>
+                </a:solidFill>
+              </a:rPr>
+              <a:t>2. Create a .md file in main/_posts/ following the 2024-01-25-jfan9.md file</a:t>
+            </a:r>
+            <a:endParaRPr lang="en-US" dirty="0"/>
+          </a:p>
+        </p:txBody>
+      </p:sp>
+      <p:sp>
+        <p:nvSpPr>
+          <p:cNvPr id="3" name="Content Placeholder 2">
+            <a:extLst>
+              <a:ext uri="{FF2B5EF4-FFF2-40B4-BE49-F238E27FC236}">
+                <a16:creationId xmlns:a16="http://schemas.microsoft.com/office/drawing/2014/main" id="{01EC8C99-4B58-DB4B-BD39-74F15AE214AA}"/>
+              </a:ext>
+            </a:extLst>
+          </p:cNvPr>
+          <p:cNvSpPr>
+            <a:spLocks noGrp="1"/>
+          </p:cNvSpPr>
+          <p:nvPr>
+            <p:ph idx="1"/>
+          </p:nvPr>
+        </p:nvSpPr>
+        <p:spPr>
+          <a:xfrm>
+            <a:off x="6978732" y="2638044"/>
+            <a:ext cx="2982132" cy="3101983"/>
+          </a:xfrm>
+        </p:spPr>
+        <p:txBody>
+          <a:bodyPr>
+            <a:noAutofit/>
+          </a:bodyPr>
+          <a:lstStyle/>
+          <a:p>
+            <a:pPr marL="0" indent="0">
+              <a:spcBef>
+                <a:spcPts val="0"/>
+              </a:spcBef>
+              <a:buNone/>
+            </a:pPr>
+            <a:r>
+              <a:rPr lang="en-US" sz="800" dirty="0">
+                <a:latin typeface="Courier" pitchFamily="2" charset="0"/>
+              </a:rPr>
+              <a:t>---</a:t>
+            </a:r>
+          </a:p>
+          <a:p>
+            <a:pPr marL="0" indent="0">
+              <a:spcBef>
+                <a:spcPts val="0"/>
+              </a:spcBef>
+              <a:buNone/>
+            </a:pPr>
+            <a:r>
+              <a:rPr lang="en-US" sz="800" dirty="0">
+                <a:latin typeface="Courier" pitchFamily="2" charset="0"/>
+              </a:rPr>
+              <a:t>layout: post</a:t>
+            </a:r>
+          </a:p>
+          <a:p>
+            <a:pPr marL="0" indent="0">
+              <a:spcBef>
+                <a:spcPts val="0"/>
+              </a:spcBef>
+              <a:buNone/>
+            </a:pPr>
+            <a:r>
+              <a:rPr lang="en-US" sz="800" dirty="0">
+                <a:latin typeface="Courier" pitchFamily="2" charset="0"/>
+              </a:rPr>
+              <a:t>title:  "</a:t>
+            </a:r>
+            <a:r>
+              <a:rPr lang="en-US" sz="800" dirty="0">
+                <a:highlight>
+                  <a:srgbClr val="FFFF00"/>
+                </a:highlight>
+                <a:latin typeface="Courier" pitchFamily="2" charset="0"/>
+              </a:rPr>
+              <a:t>Sample Homework Submission</a:t>
+            </a:r>
+            <a:r>
+              <a:rPr lang="en-US" sz="800" dirty="0">
+                <a:latin typeface="Courier" pitchFamily="2" charset="0"/>
+              </a:rPr>
+              <a:t>"</a:t>
+            </a:r>
+          </a:p>
+          <a:p>
+            <a:pPr marL="0" indent="0">
+              <a:spcBef>
+                <a:spcPts val="0"/>
+              </a:spcBef>
+              <a:buNone/>
+            </a:pPr>
+            <a:r>
+              <a:rPr lang="en-US" sz="800" dirty="0">
+                <a:latin typeface="Courier" pitchFamily="2" charset="0"/>
+              </a:rPr>
+              <a:t>author: </a:t>
+            </a:r>
+            <a:r>
+              <a:rPr lang="en-US" sz="800" dirty="0">
+                <a:highlight>
+                  <a:srgbClr val="FFFF00"/>
+                </a:highlight>
+                <a:latin typeface="Courier" pitchFamily="2" charset="0"/>
+              </a:rPr>
+              <a:t>Prof. Jean Fan</a:t>
+            </a:r>
+          </a:p>
+          <a:p>
+            <a:pPr marL="0" indent="0">
+              <a:spcBef>
+                <a:spcPts val="0"/>
+              </a:spcBef>
+              <a:buNone/>
+            </a:pPr>
+            <a:r>
+              <a:rPr lang="en-US" sz="800" dirty="0" err="1">
+                <a:latin typeface="Courier" pitchFamily="2" charset="0"/>
+              </a:rPr>
+              <a:t>jhed</a:t>
+            </a:r>
+            <a:r>
+              <a:rPr lang="en-US" sz="800" dirty="0">
+                <a:latin typeface="Courier" pitchFamily="2" charset="0"/>
+              </a:rPr>
+              <a:t>: </a:t>
+            </a:r>
+            <a:r>
+              <a:rPr lang="en-US" sz="800" dirty="0">
+                <a:highlight>
+                  <a:srgbClr val="FFFF00"/>
+                </a:highlight>
+                <a:latin typeface="Courier" pitchFamily="2" charset="0"/>
+              </a:rPr>
+              <a:t>jfan9</a:t>
+            </a:r>
+          </a:p>
+          <a:p>
+            <a:pPr marL="0" indent="0">
+              <a:spcBef>
+                <a:spcPts val="0"/>
+              </a:spcBef>
+              <a:buNone/>
+            </a:pPr>
+            <a:r>
+              <a:rPr lang="en-US" sz="800" dirty="0">
+                <a:latin typeface="Courier" pitchFamily="2" charset="0"/>
+              </a:rPr>
+              <a:t>categories: [ HW</a:t>
+            </a:r>
+            <a:r>
+              <a:rPr lang="en-US" sz="800" dirty="0">
+                <a:highlight>
+                  <a:srgbClr val="FFFF00"/>
+                </a:highlight>
+                <a:latin typeface="Courier" pitchFamily="2" charset="0"/>
+              </a:rPr>
+              <a:t>1</a:t>
+            </a:r>
+            <a:r>
+              <a:rPr lang="en-US" sz="800" dirty="0">
+                <a:latin typeface="Courier" pitchFamily="2" charset="0"/>
+              </a:rPr>
+              <a:t> ]</a:t>
+            </a:r>
+          </a:p>
+          <a:p>
+            <a:pPr marL="0" indent="0">
+              <a:spcBef>
+                <a:spcPts val="0"/>
+              </a:spcBef>
+              <a:buNone/>
+            </a:pPr>
+            <a:r>
+              <a:rPr lang="en-US" sz="800" dirty="0">
+                <a:latin typeface="Courier" pitchFamily="2" charset="0"/>
+              </a:rPr>
+              <a:t>image: homework/hw</a:t>
+            </a:r>
+            <a:r>
+              <a:rPr lang="en-US" sz="800" dirty="0">
+                <a:highlight>
+                  <a:srgbClr val="FFFF00"/>
+                </a:highlight>
+                <a:latin typeface="Courier" pitchFamily="2" charset="0"/>
+              </a:rPr>
+              <a:t>1</a:t>
+            </a:r>
+            <a:r>
+              <a:rPr lang="en-US" sz="800" dirty="0">
+                <a:latin typeface="Courier" pitchFamily="2" charset="0"/>
+              </a:rPr>
+              <a:t>/</a:t>
+            </a:r>
+            <a:r>
+              <a:rPr lang="en-US" sz="800" dirty="0">
+                <a:highlight>
+                  <a:srgbClr val="FFFF00"/>
+                </a:highlight>
+                <a:latin typeface="Courier" pitchFamily="2" charset="0"/>
+              </a:rPr>
+              <a:t>jeanfan_hw1.png</a:t>
+            </a:r>
+          </a:p>
+          <a:p>
+            <a:pPr marL="0" indent="0">
+              <a:spcBef>
+                <a:spcPts val="0"/>
+              </a:spcBef>
+              <a:buNone/>
+            </a:pPr>
+            <a:r>
+              <a:rPr lang="en-US" sz="800" dirty="0">
+                <a:latin typeface="Courier" pitchFamily="2" charset="0"/>
+              </a:rPr>
+              <a:t>featured: false</a:t>
+            </a:r>
+          </a:p>
+          <a:p>
+            <a:pPr marL="0" indent="0">
+              <a:spcBef>
+                <a:spcPts val="0"/>
+              </a:spcBef>
+              <a:buNone/>
+            </a:pPr>
+            <a:r>
+              <a:rPr lang="en-US" sz="800" dirty="0">
+                <a:latin typeface="Courier" pitchFamily="2" charset="0"/>
+              </a:rPr>
+              <a:t>---</a:t>
+            </a:r>
+          </a:p>
+          <a:p>
+            <a:pPr marL="0" indent="0">
+              <a:spcBef>
+                <a:spcPts val="0"/>
+              </a:spcBef>
+              <a:buNone/>
+            </a:pPr>
+            <a:endParaRPr lang="en-US" sz="800" dirty="0">
+              <a:latin typeface="Courier" pitchFamily="2" charset="0"/>
+            </a:endParaRPr>
+          </a:p>
+          <a:p>
+            <a:pPr marL="0" indent="0">
+              <a:spcBef>
+                <a:spcPts val="0"/>
+              </a:spcBef>
+              <a:buNone/>
+            </a:pPr>
+            <a:r>
+              <a:rPr lang="en-US" sz="800" dirty="0">
+                <a:highlight>
+                  <a:srgbClr val="FFFF00"/>
+                </a:highlight>
+                <a:latin typeface="Courier" pitchFamily="2" charset="0"/>
+              </a:rPr>
+              <a:t>[description]</a:t>
+            </a:r>
+          </a:p>
+          <a:p>
+            <a:pPr marL="0" indent="0">
+              <a:spcBef>
+                <a:spcPts val="0"/>
+              </a:spcBef>
+              <a:buNone/>
+            </a:pPr>
+            <a:endParaRPr lang="en-US" sz="800" dirty="0">
+              <a:highlight>
+                <a:srgbClr val="FFFF00"/>
+              </a:highlight>
+              <a:latin typeface="Courier" pitchFamily="2" charset="0"/>
+            </a:endParaRPr>
+          </a:p>
+          <a:p>
+            <a:pPr marL="0" indent="0">
+              <a:spcBef>
+                <a:spcPts val="0"/>
+              </a:spcBef>
+              <a:buNone/>
+            </a:pPr>
+            <a:r>
+              <a:rPr lang="en-US" sz="800" dirty="0">
+                <a:highlight>
+                  <a:srgbClr val="FFFF00"/>
+                </a:highlight>
+                <a:latin typeface="Courier" pitchFamily="2" charset="0"/>
+              </a:rPr>
+              <a:t>```{r}</a:t>
+            </a:r>
+          </a:p>
+          <a:p>
+            <a:pPr marL="0" indent="0">
+              <a:spcBef>
+                <a:spcPts val="0"/>
+              </a:spcBef>
+              <a:buNone/>
+            </a:pPr>
+            <a:r>
+              <a:rPr lang="en-US" sz="800" dirty="0">
+                <a:highlight>
+                  <a:srgbClr val="FFFF00"/>
+                </a:highlight>
+                <a:latin typeface="Courier" pitchFamily="2" charset="0"/>
+              </a:rPr>
+              <a:t>[code]</a:t>
+            </a:r>
+          </a:p>
+          <a:p>
+            <a:pPr marL="0" indent="0">
+              <a:spcBef>
+                <a:spcPts val="0"/>
+              </a:spcBef>
+              <a:buNone/>
+            </a:pPr>
+            <a:r>
+              <a:rPr lang="en-US" sz="800" dirty="0">
+                <a:highlight>
+                  <a:srgbClr val="FFFF00"/>
+                </a:highlight>
+                <a:latin typeface="Courier" pitchFamily="2" charset="0"/>
+              </a:rPr>
+              <a:t>```</a:t>
+            </a:r>
+          </a:p>
+          <a:p>
+            <a:pPr marL="0" indent="0">
+              <a:spcBef>
+                <a:spcPts val="0"/>
+              </a:spcBef>
+              <a:buNone/>
+            </a:pPr>
+            <a:endParaRPr lang="en-US" sz="800" dirty="0">
+              <a:latin typeface="Courier" pitchFamily="2" charset="0"/>
+            </a:endParaRPr>
+          </a:p>
+        </p:txBody>
+      </p:sp>
+      <p:sp>
+        <p:nvSpPr>
+          <p:cNvPr id="5" name="Content Placeholder 2">
+            <a:extLst>
+              <a:ext uri="{FF2B5EF4-FFF2-40B4-BE49-F238E27FC236}">
+                <a16:creationId xmlns:a16="http://schemas.microsoft.com/office/drawing/2014/main" id="{5D7C7DC2-34E9-C642-9910-3DD26FCB892B}"/>
+              </a:ext>
+            </a:extLst>
+          </p:cNvPr>
+          <p:cNvSpPr txBox="1">
+            <a:spLocks/>
+          </p:cNvSpPr>
+          <p:nvPr/>
+        </p:nvSpPr>
+        <p:spPr>
+          <a:xfrm>
+            <a:off x="2231136" y="2638044"/>
+            <a:ext cx="4039035" cy="3101983"/>
+          </a:xfrm>
+          <a:prstGeom prst="rect">
+            <a:avLst/>
+          </a:prstGeom>
+        </p:spPr>
+        <p:txBody>
+          <a:bodyPr vert="horz" lIns="91440" tIns="45720" rIns="91440" bIns="45720" rtlCol="0">
+            <a:normAutofit fontScale="92500" lnSpcReduction="20000"/>
+          </a:bodyPr>
+          <a:lstStyle>
+            <a:lvl1pPr marL="228600" indent="-228600" algn="l" defTabSz="914400" rtl="0" eaLnBrk="1" latinLnBrk="0" hangingPunct="1">
+              <a:lnSpc>
+                <a:spcPct val="100000"/>
+              </a:lnSpc>
+              <a:spcBef>
+                <a:spcPts val="1000"/>
+              </a:spcBef>
+              <a:buClr>
+                <a:schemeClr val="accent2"/>
+              </a:buClr>
+              <a:buFont typeface="Arial" panose="020B0604020202020204" pitchFamily="34" charset="0"/>
+              <a:buChar char="•"/>
+              <a:defRPr sz="1800" kern="1200">
+                <a:solidFill>
+                  <a:schemeClr val="tx1">
+                    <a:lumMod val="85000"/>
+                    <a:lumOff val="15000"/>
+                  </a:schemeClr>
+                </a:solidFill>
+                <a:latin typeface="+mn-lt"/>
+                <a:ea typeface="+mn-ea"/>
+                <a:cs typeface="+mn-cs"/>
+              </a:defRPr>
+            </a:lvl1pPr>
+            <a:lvl2pPr marL="457200" indent="-228600" algn="l" defTabSz="914400" rtl="0" eaLnBrk="1" latinLnBrk="0" hangingPunct="1">
+              <a:lnSpc>
+                <a:spcPct val="100000"/>
+              </a:lnSpc>
+              <a:spcBef>
+                <a:spcPts val="1000"/>
+              </a:spcBef>
+              <a:buClr>
+                <a:schemeClr val="accent2"/>
+              </a:buClr>
+              <a:buFont typeface="Arial" panose="020B0604020202020204" pitchFamily="34" charset="0"/>
+              <a:buChar char="•"/>
+              <a:defRPr sz="1600" kern="1200">
+                <a:solidFill>
+                  <a:schemeClr val="tx1">
+                    <a:lumMod val="85000"/>
+                    <a:lumOff val="15000"/>
+                  </a:schemeClr>
+                </a:solidFill>
+                <a:latin typeface="+mn-lt"/>
+                <a:ea typeface="+mn-ea"/>
+                <a:cs typeface="+mn-cs"/>
+              </a:defRPr>
+            </a:lvl2pPr>
+            <a:lvl3pPr marL="685800" indent="-228600" algn="l" defTabSz="914400" rtl="0" eaLnBrk="1" latinLnBrk="0" hangingPunct="1">
+              <a:lnSpc>
+                <a:spcPct val="100000"/>
+              </a:lnSpc>
+              <a:spcBef>
+                <a:spcPts val="1000"/>
+              </a:spcBef>
+              <a:buClr>
+                <a:schemeClr val="accent2"/>
+              </a:buClr>
+              <a:buFont typeface="Arial" panose="020B0604020202020204" pitchFamily="34" charset="0"/>
+              <a:buChar char="•"/>
+              <a:defRPr sz="1600" kern="1200">
+                <a:solidFill>
+                  <a:schemeClr val="tx1">
+                    <a:lumMod val="85000"/>
+                    <a:lumOff val="15000"/>
+                  </a:schemeClr>
+                </a:solidFill>
+                <a:latin typeface="+mn-lt"/>
+                <a:ea typeface="+mn-ea"/>
+                <a:cs typeface="+mn-cs"/>
+              </a:defRPr>
+            </a:lvl3pPr>
+            <a:lvl4pPr marL="914400" indent="-228600" algn="l" defTabSz="914400" rtl="0" eaLnBrk="1" latinLnBrk="0" hangingPunct="1">
+              <a:lnSpc>
+                <a:spcPct val="100000"/>
+              </a:lnSpc>
+              <a:spcBef>
+                <a:spcPts val="1000"/>
+              </a:spcBef>
+              <a:buClr>
+                <a:schemeClr val="accent2"/>
+              </a:buClr>
+              <a:buFont typeface="Arial" panose="020B0604020202020204" pitchFamily="34" charset="0"/>
+              <a:buChar char="•"/>
+              <a:defRPr sz="1600" kern="1200">
+                <a:solidFill>
+                  <a:schemeClr val="tx1">
+                    <a:lumMod val="85000"/>
+                    <a:lumOff val="15000"/>
+                  </a:schemeClr>
+                </a:solidFill>
+                <a:latin typeface="+mn-lt"/>
+                <a:ea typeface="+mn-ea"/>
+                <a:cs typeface="+mn-cs"/>
+              </a:defRPr>
+            </a:lvl4pPr>
+            <a:lvl5pPr marL="1143000" indent="-228600" algn="l" defTabSz="914400" rtl="0" eaLnBrk="1" latinLnBrk="0" hangingPunct="1">
+              <a:lnSpc>
+                <a:spcPct val="100000"/>
+              </a:lnSpc>
+              <a:spcBef>
+                <a:spcPts val="1000"/>
+              </a:spcBef>
+              <a:buClr>
+                <a:schemeClr val="accent2"/>
+              </a:buClr>
+              <a:buFont typeface="Arial" panose="020B0604020202020204" pitchFamily="34" charset="0"/>
+              <a:buChar char="•"/>
+              <a:defRPr sz="1600" kern="1200">
+                <a:solidFill>
+                  <a:schemeClr val="tx1">
+                    <a:lumMod val="85000"/>
+                    <a:lumOff val="15000"/>
+                  </a:schemeClr>
+                </a:solidFill>
+                <a:latin typeface="+mn-lt"/>
+                <a:ea typeface="+mn-ea"/>
+                <a:cs typeface="+mn-cs"/>
+              </a:defRPr>
+            </a:lvl5pPr>
+            <a:lvl6pPr marL="1312863" indent="-228600" algn="l" defTabSz="914400" rtl="0" eaLnBrk="1" latinLnBrk="0" hangingPunct="1">
+              <a:lnSpc>
+                <a:spcPct val="100000"/>
+              </a:lnSpc>
+              <a:spcBef>
+                <a:spcPts val="1000"/>
+              </a:spcBef>
+              <a:buClr>
+                <a:schemeClr val="accent2"/>
+              </a:buClr>
+              <a:buFont typeface="Arial" panose="020B0604020202020204" pitchFamily="34" charset="0"/>
+              <a:buChar char="•"/>
+              <a:defRPr sz="1600" kern="1200">
+                <a:solidFill>
+                  <a:schemeClr val="tx1"/>
+                </a:solidFill>
+                <a:latin typeface="+mn-lt"/>
+                <a:ea typeface="+mn-ea"/>
+                <a:cs typeface="+mn-cs"/>
+              </a:defRPr>
+            </a:lvl6pPr>
+            <a:lvl7pPr marL="1484313" indent="-228600" algn="l" defTabSz="914400" rtl="0" eaLnBrk="1" latinLnBrk="0" hangingPunct="1">
+              <a:lnSpc>
+                <a:spcPct val="100000"/>
+              </a:lnSpc>
+              <a:spcBef>
+                <a:spcPts val="1000"/>
+              </a:spcBef>
+              <a:buClr>
+                <a:schemeClr val="accent2"/>
+              </a:buClr>
+              <a:buFont typeface="Arial" panose="020B0604020202020204" pitchFamily="34" charset="0"/>
+              <a:buChar char="•"/>
+              <a:defRPr sz="1600" kern="1200">
+                <a:solidFill>
+                  <a:schemeClr val="tx1"/>
+                </a:solidFill>
+                <a:latin typeface="+mn-lt"/>
+                <a:ea typeface="+mn-ea"/>
+                <a:cs typeface="+mn-cs"/>
+              </a:defRPr>
+            </a:lvl7pPr>
+            <a:lvl8pPr marL="1657350" indent="-228600" algn="l" defTabSz="914400" rtl="0" eaLnBrk="1" latinLnBrk="0" hangingPunct="1">
+              <a:lnSpc>
+                <a:spcPct val="100000"/>
+              </a:lnSpc>
+              <a:spcBef>
+                <a:spcPts val="1000"/>
+              </a:spcBef>
+              <a:buClr>
+                <a:schemeClr val="accent2"/>
+              </a:buClr>
+              <a:buFont typeface="Arial" panose="020B0604020202020204" pitchFamily="34" charset="0"/>
+              <a:buChar char="•"/>
+              <a:defRPr sz="1600" kern="1200" baseline="0">
+                <a:solidFill>
+                  <a:schemeClr val="tx1"/>
+                </a:solidFill>
+                <a:latin typeface="+mn-lt"/>
+                <a:ea typeface="+mn-ea"/>
+                <a:cs typeface="+mn-cs"/>
+              </a:defRPr>
+            </a:lvl8pPr>
+            <a:lvl9pPr marL="1882775" indent="-228600" algn="l" defTabSz="914400" rtl="0" eaLnBrk="1" latinLnBrk="0" hangingPunct="1">
+              <a:lnSpc>
+                <a:spcPct val="100000"/>
+              </a:lnSpc>
+              <a:spcBef>
+                <a:spcPts val="1000"/>
+              </a:spcBef>
+              <a:buClr>
+                <a:schemeClr val="accent2"/>
+              </a:buClr>
+              <a:buFont typeface="Arial" panose="020B0604020202020204" pitchFamily="34" charset="0"/>
+              <a:buChar char="•"/>
+              <a:defRPr sz="1600" kern="1200" baseline="0">
+                <a:solidFill>
+                  <a:schemeClr val="tx1"/>
+                </a:solidFill>
+                <a:latin typeface="+mn-lt"/>
+                <a:ea typeface="+mn-ea"/>
+                <a:cs typeface="+mn-cs"/>
+              </a:defRPr>
+            </a:lvl9pPr>
+          </a:lstStyle>
+          <a:p>
+            <a:r>
+              <a:rPr lang="en-US" dirty="0"/>
+              <a:t>Update the date on the file name to [the date the homework is submitted]-[your </a:t>
+            </a:r>
+            <a:r>
+              <a:rPr lang="en-US" dirty="0" err="1"/>
+              <a:t>jhed</a:t>
+            </a:r>
+            <a:r>
+              <a:rPr lang="en-US" dirty="0"/>
+              <a:t>].md</a:t>
+            </a:r>
+          </a:p>
+          <a:p>
+            <a:pPr lvl="1"/>
+            <a:r>
+              <a:rPr lang="en-US" dirty="0"/>
+              <a:t>Note that the format of the date is [year]-[month]-[day]</a:t>
+            </a:r>
+          </a:p>
+          <a:p>
+            <a:r>
+              <a:rPr lang="en-US" dirty="0"/>
+              <a:t>Your file will likely look something like this to the right but with the highlighted components changed</a:t>
+            </a:r>
+          </a:p>
+          <a:p>
+            <a:r>
+              <a:rPr lang="en-US" dirty="0"/>
+              <a:t>Note that the ”image:” should point to the image you just uploaded to the homework/ folder so please update the file names accordingly</a:t>
+            </a:r>
+          </a:p>
+          <a:p>
+            <a:endParaRPr lang="en-US" dirty="0"/>
+          </a:p>
+        </p:txBody>
+      </p:sp>
+    </p:spTree>
+    <p:extLst>
+      <p:ext uri="{BB962C8B-B14F-4D97-AF65-F5344CB8AC3E}">
+        <p14:creationId xmlns:p14="http://schemas.microsoft.com/office/powerpoint/2010/main" val="3559407415"/>
+      </p:ext>
+    </p:extLst>
+  </p:cSld>
+  <p:clrMapOvr>
+    <a:masterClrMapping/>
+  </p:clrMapOvr>
+</p:sld>
+</file>
+
+<file path=ppt/slides/slide8.xml><?xml version="1.0" encoding="utf-8"?>
 <p:sld xmlns:a="http://schemas.openxmlformats.org/drawingml/2006/main" xmlns:r="http://schemas.openxmlformats.org/officeDocument/2006/relationships" xmlns:p="http://schemas.openxmlformats.org/presentationml/2006/main">
   <p:cSld>
     <p:spTree>
@@ -3441,2670 +5334,6 @@
     <p:extLst>
       <p:ext uri="{BB962C8B-B14F-4D97-AF65-F5344CB8AC3E}">
         <p14:creationId xmlns:p14="http://schemas.microsoft.com/office/powerpoint/2010/main" val="2556671480"/>
-      </p:ext>
-    </p:extLst>
-  </p:cSld>
-  <p:clrMapOvr>
-    <a:masterClrMapping/>
-  </p:clrMapOvr>
-</p:sld>
-</file>
-
-<file path=ppt/slides/slide2.xml><?xml version="1.0" encoding="utf-8"?>
-<p:sld xmlns:a="http://schemas.openxmlformats.org/drawingml/2006/main" xmlns:r="http://schemas.openxmlformats.org/officeDocument/2006/relationships" xmlns:p="http://schemas.openxmlformats.org/presentationml/2006/main">
-  <p:cSld>
-    <p:bg>
-      <p:bgPr>
-        <a:solidFill>
-          <a:schemeClr val="bg1"/>
-        </a:solidFill>
-        <a:effectLst/>
-      </p:bgPr>
-    </p:bg>
-    <p:spTree>
-      <p:nvGrpSpPr>
-        <p:cNvPr id="1" name=""/>
-        <p:cNvGrpSpPr/>
-        <p:nvPr/>
-      </p:nvGrpSpPr>
-      <p:grpSpPr>
-        <a:xfrm>
-          <a:off x="0" y="0"/>
-          <a:ext cx="0" cy="0"/>
-          <a:chOff x="0" y="0"/>
-          <a:chExt cx="0" cy="0"/>
-        </a:xfrm>
-      </p:grpSpPr>
-      <p:sp>
-        <p:nvSpPr>
-          <p:cNvPr id="26" name="Rectangle 25">
-            <a:extLst>
-              <a:ext uri="{FF2B5EF4-FFF2-40B4-BE49-F238E27FC236}">
-                <a16:creationId xmlns:a16="http://schemas.microsoft.com/office/drawing/2014/main" id="{C33976D1-3430-450C-A978-87A9A6E8E71F}"/>
-              </a:ext>
-              <a:ext uri="{C183D7F6-B498-43B3-948B-1728B52AA6E4}">
-                <adec:decorative xmlns:adec="http://schemas.microsoft.com/office/drawing/2017/decorative" val="1"/>
-              </a:ext>
-            </a:extLst>
-          </p:cNvPr>
-          <p:cNvSpPr>
-            <a:spLocks noGrp="1" noRot="1" noChangeAspect="1" noMove="1" noResize="1" noEditPoints="1" noAdjustHandles="1" noChangeArrowheads="1" noChangeShapeType="1" noTextEdit="1"/>
-          </p:cNvSpPr>
-          <p:nvPr>
-            <p:extLst>
-              <p:ext uri="{386F3935-93C4-4BCD-93E2-E3B085C9AB24}">
-                <p16:designElem xmlns:p16="http://schemas.microsoft.com/office/powerpoint/2015/main" val="1"/>
-              </p:ext>
-            </p:extLst>
-          </p:nvPr>
-        </p:nvSpPr>
-        <p:spPr>
-          <a:xfrm>
-            <a:off x="0" y="0"/>
-            <a:ext cx="12192000" cy="6858000"/>
-          </a:xfrm>
-          <a:prstGeom prst="rect">
-            <a:avLst/>
-          </a:prstGeom>
-          <a:solidFill>
-            <a:schemeClr val="accent2"/>
-          </a:solidFill>
-          <a:ln>
-            <a:noFill/>
-          </a:ln>
-        </p:spPr>
-        <p:style>
-          <a:lnRef idx="2">
-            <a:schemeClr val="accent1">
-              <a:shade val="50000"/>
-            </a:schemeClr>
-          </a:lnRef>
-          <a:fillRef idx="1">
-            <a:schemeClr val="accent1"/>
-          </a:fillRef>
-          <a:effectRef idx="0">
-            <a:schemeClr val="accent1"/>
-          </a:effectRef>
-          <a:fontRef idx="minor">
-            <a:schemeClr val="lt1"/>
-          </a:fontRef>
-        </p:style>
-        <p:txBody>
-          <a:bodyPr rtlCol="0" anchor="ctr"/>
-          <a:lstStyle/>
-          <a:p>
-            <a:pPr algn="ctr"/>
-            <a:endParaRPr lang="en-US"/>
-          </a:p>
-        </p:txBody>
-      </p:sp>
-      <p:sp>
-        <p:nvSpPr>
-          <p:cNvPr id="28" name="Rectangle 27">
-            <a:extLst>
-              <a:ext uri="{FF2B5EF4-FFF2-40B4-BE49-F238E27FC236}">
-                <a16:creationId xmlns:a16="http://schemas.microsoft.com/office/drawing/2014/main" id="{7D6AAC78-7D86-415A-ADC1-2B474807960C}"/>
-              </a:ext>
-              <a:ext uri="{C183D7F6-B498-43B3-948B-1728B52AA6E4}">
-                <adec:decorative xmlns:adec="http://schemas.microsoft.com/office/drawing/2017/decorative" val="1"/>
-              </a:ext>
-            </a:extLst>
-          </p:cNvPr>
-          <p:cNvSpPr>
-            <a:spLocks noGrp="1" noRot="1" noChangeAspect="1" noMove="1" noResize="1" noEditPoints="1" noAdjustHandles="1" noChangeArrowheads="1" noChangeShapeType="1" noTextEdit="1"/>
-          </p:cNvSpPr>
-          <p:nvPr>
-            <p:extLst>
-              <p:ext uri="{386F3935-93C4-4BCD-93E2-E3B085C9AB24}">
-                <p16:designElem xmlns:p16="http://schemas.microsoft.com/office/powerpoint/2015/main" val="1"/>
-              </p:ext>
-            </p:extLst>
-          </p:nvPr>
-        </p:nvSpPr>
-        <p:spPr>
-          <a:xfrm>
-            <a:off x="1249680" y="1248156"/>
-            <a:ext cx="9692640" cy="4361688"/>
-          </a:xfrm>
-          <a:prstGeom prst="rect">
-            <a:avLst/>
-          </a:prstGeom>
-          <a:solidFill>
-            <a:srgbClr val="FFFFFF"/>
-          </a:solidFill>
-          <a:ln>
-            <a:noFill/>
-          </a:ln>
-        </p:spPr>
-        <p:style>
-          <a:lnRef idx="2">
-            <a:schemeClr val="accent1">
-              <a:shade val="50000"/>
-            </a:schemeClr>
-          </a:lnRef>
-          <a:fillRef idx="1">
-            <a:schemeClr val="accent1"/>
-          </a:fillRef>
-          <a:effectRef idx="0">
-            <a:schemeClr val="accent1"/>
-          </a:effectRef>
-          <a:fontRef idx="minor">
-            <a:schemeClr val="lt1"/>
-          </a:fontRef>
-        </p:style>
-        <p:txBody>
-          <a:bodyPr rtlCol="0" anchor="ctr"/>
-          <a:lstStyle/>
-          <a:p>
-            <a:pPr algn="ctr"/>
-            <a:endParaRPr lang="en-US"/>
-          </a:p>
-        </p:txBody>
-      </p:sp>
-      <p:sp>
-        <p:nvSpPr>
-          <p:cNvPr id="30" name="Rectangle 29">
-            <a:extLst>
-              <a:ext uri="{FF2B5EF4-FFF2-40B4-BE49-F238E27FC236}">
-                <a16:creationId xmlns:a16="http://schemas.microsoft.com/office/drawing/2014/main" id="{F2A658D9-F185-44F1-BA33-D50320D1D078}"/>
-              </a:ext>
-              <a:ext uri="{C183D7F6-B498-43B3-948B-1728B52AA6E4}">
-                <adec:decorative xmlns:adec="http://schemas.microsoft.com/office/drawing/2017/decorative" val="1"/>
-              </a:ext>
-            </a:extLst>
-          </p:cNvPr>
-          <p:cNvSpPr>
-            <a:spLocks noGrp="1" noRot="1" noChangeAspect="1" noMove="1" noResize="1" noEditPoints="1" noAdjustHandles="1" noChangeArrowheads="1" noChangeShapeType="1" noTextEdit="1"/>
-          </p:cNvSpPr>
-          <p:nvPr>
-            <p:extLst>
-              <p:ext uri="{386F3935-93C4-4BCD-93E2-E3B085C9AB24}">
-                <p16:designElem xmlns:p16="http://schemas.microsoft.com/office/powerpoint/2015/main" val="1"/>
-              </p:ext>
-            </p:extLst>
-          </p:nvPr>
-        </p:nvSpPr>
-        <p:spPr>
-          <a:xfrm>
-            <a:off x="1062228" y="1060704"/>
-            <a:ext cx="10067544" cy="4736592"/>
-          </a:xfrm>
-          <a:prstGeom prst="rect">
-            <a:avLst/>
-          </a:prstGeom>
-          <a:noFill/>
-          <a:ln w="31750" cap="sq">
-            <a:solidFill>
-              <a:srgbClr val="FFFFFF"/>
-            </a:solidFill>
-            <a:miter lim="800000"/>
-          </a:ln>
-        </p:spPr>
-        <p:style>
-          <a:lnRef idx="2">
-            <a:schemeClr val="accent1">
-              <a:shade val="50000"/>
-            </a:schemeClr>
-          </a:lnRef>
-          <a:fillRef idx="1">
-            <a:schemeClr val="accent1"/>
-          </a:fillRef>
-          <a:effectRef idx="0">
-            <a:schemeClr val="accent1"/>
-          </a:effectRef>
-          <a:fontRef idx="minor">
-            <a:schemeClr val="lt1"/>
-          </a:fontRef>
-        </p:style>
-        <p:txBody>
-          <a:bodyPr rtlCol="0" anchor="ctr"/>
-          <a:lstStyle/>
-          <a:p>
-            <a:pPr algn="ctr"/>
-            <a:endParaRPr lang="en-US"/>
-          </a:p>
-        </p:txBody>
-      </p:sp>
-      <p:sp>
-        <p:nvSpPr>
-          <p:cNvPr id="2" name="Title 1">
-            <a:extLst>
-              <a:ext uri="{FF2B5EF4-FFF2-40B4-BE49-F238E27FC236}">
-                <a16:creationId xmlns:a16="http://schemas.microsoft.com/office/drawing/2014/main" id="{94D8A67B-C41D-C04F-A9CD-C8CCBE14AC7C}"/>
-              </a:ext>
-            </a:extLst>
-          </p:cNvPr>
-          <p:cNvSpPr>
-            <a:spLocks noGrp="1"/>
-          </p:cNvSpPr>
-          <p:nvPr>
-            <p:ph type="title"/>
-          </p:nvPr>
-        </p:nvSpPr>
-        <p:spPr>
-          <a:xfrm>
-            <a:off x="2231136" y="467418"/>
-            <a:ext cx="7729728" cy="1188720"/>
-          </a:xfrm>
-        </p:spPr>
-        <p:txBody>
-          <a:bodyPr>
-            <a:normAutofit/>
-          </a:bodyPr>
-          <a:lstStyle/>
-          <a:p>
-            <a:r>
-              <a:rPr lang="en-US" sz="2000" dirty="0"/>
-              <a:t>Create and describe a Data Visualization using YOUR DATA</a:t>
-            </a:r>
-          </a:p>
-        </p:txBody>
-      </p:sp>
-      <p:sp>
-        <p:nvSpPr>
-          <p:cNvPr id="9" name="Content Placeholder 2">
-            <a:extLst>
-              <a:ext uri="{FF2B5EF4-FFF2-40B4-BE49-F238E27FC236}">
-                <a16:creationId xmlns:a16="http://schemas.microsoft.com/office/drawing/2014/main" id="{3CB996ED-CE04-4444-B7E2-ADBC4AFA0419}"/>
-              </a:ext>
-            </a:extLst>
-          </p:cNvPr>
-          <p:cNvSpPr>
-            <a:spLocks noGrp="1"/>
-          </p:cNvSpPr>
-          <p:nvPr>
-            <p:ph idx="1"/>
-          </p:nvPr>
-        </p:nvSpPr>
-        <p:spPr>
-          <a:xfrm>
-            <a:off x="1706062" y="2291262"/>
-            <a:ext cx="8779512" cy="2879256"/>
-          </a:xfrm>
-        </p:spPr>
-        <p:txBody>
-          <a:bodyPr>
-            <a:normAutofit fontScale="92500"/>
-          </a:bodyPr>
-          <a:lstStyle/>
-          <a:p>
-            <a:pPr marL="0" indent="0">
-              <a:lnSpc>
-                <a:spcPct val="90000"/>
-              </a:lnSpc>
-              <a:buNone/>
-            </a:pPr>
-            <a:r>
-              <a:rPr lang="en-US" sz="1500" dirty="0">
-                <a:solidFill>
-                  <a:srgbClr val="404040"/>
-                </a:solidFill>
-              </a:rPr>
-              <a:t>Your description of your data visualization must address the following questions:</a:t>
-            </a:r>
-          </a:p>
-          <a:p>
-            <a:pPr marL="342900" indent="-342900">
-              <a:lnSpc>
-                <a:spcPct val="90000"/>
-              </a:lnSpc>
-              <a:buFont typeface="Arial" panose="020B0604020202020204" pitchFamily="34" charset="0"/>
-              <a:buAutoNum type="arabicPeriod"/>
-            </a:pPr>
-            <a:r>
-              <a:rPr lang="en-US" sz="1500" dirty="0">
-                <a:solidFill>
-                  <a:srgbClr val="404040"/>
-                </a:solidFill>
-              </a:rPr>
-              <a:t>What data types are you visualizing?</a:t>
-            </a:r>
-          </a:p>
-          <a:p>
-            <a:pPr marL="342900" indent="-342900">
-              <a:lnSpc>
-                <a:spcPct val="90000"/>
-              </a:lnSpc>
-              <a:buFont typeface="Arial" panose="020B0604020202020204" pitchFamily="34" charset="0"/>
-              <a:buAutoNum type="arabicPeriod"/>
-            </a:pPr>
-            <a:r>
-              <a:rPr lang="en-US" sz="1500" dirty="0">
-                <a:solidFill>
-                  <a:srgbClr val="404040"/>
-                </a:solidFill>
-              </a:rPr>
-              <a:t>What data encodings (geometric primitives and visual channels) are you using to visualize these data types?</a:t>
-            </a:r>
-          </a:p>
-          <a:p>
-            <a:pPr marL="342900" indent="-342900">
-              <a:lnSpc>
-                <a:spcPct val="90000"/>
-              </a:lnSpc>
-              <a:buFont typeface="Arial" panose="020B0604020202020204" pitchFamily="34" charset="0"/>
-              <a:buAutoNum type="arabicPeriod"/>
-            </a:pPr>
-            <a:r>
-              <a:rPr lang="en-US" sz="1500" dirty="0">
-                <a:solidFill>
-                  <a:srgbClr val="404040"/>
-                </a:solidFill>
-              </a:rPr>
-              <a:t>What about the data are you trying to make salient through this data visualization? </a:t>
-            </a:r>
-          </a:p>
-          <a:p>
-            <a:pPr marL="342900" indent="-342900">
-              <a:lnSpc>
-                <a:spcPct val="90000"/>
-              </a:lnSpc>
-              <a:buFont typeface="Arial" panose="020B0604020202020204" pitchFamily="34" charset="0"/>
-              <a:buAutoNum type="arabicPeriod"/>
-            </a:pPr>
-            <a:r>
-              <a:rPr lang="en-US" sz="1500" dirty="0">
-                <a:solidFill>
-                  <a:srgbClr val="404040"/>
-                </a:solidFill>
-              </a:rPr>
-              <a:t>What Gestalt principles or knowledge about perceptiveness of visual encodings are you using to accomplish this?</a:t>
-            </a:r>
-          </a:p>
-          <a:p>
-            <a:pPr marL="342900" indent="-342900">
-              <a:lnSpc>
-                <a:spcPct val="90000"/>
-              </a:lnSpc>
-              <a:buAutoNum type="arabicPeriod"/>
-            </a:pPr>
-            <a:endParaRPr lang="en-US" sz="1500" dirty="0">
-              <a:solidFill>
-                <a:srgbClr val="404040"/>
-              </a:solidFill>
-            </a:endParaRPr>
-          </a:p>
-          <a:p>
-            <a:pPr marL="0" indent="0">
-              <a:lnSpc>
-                <a:spcPct val="90000"/>
-              </a:lnSpc>
-              <a:buNone/>
-            </a:pPr>
-            <a:r>
-              <a:rPr lang="en-US" sz="1500" dirty="0">
-                <a:solidFill>
-                  <a:srgbClr val="404040"/>
-                </a:solidFill>
-              </a:rPr>
-              <a:t>You must include the entire code you used to generate the figure so that it can be reproduced. </a:t>
-            </a:r>
-          </a:p>
-          <a:p>
-            <a:pPr marL="0" indent="0">
-              <a:lnSpc>
-                <a:spcPct val="90000"/>
-              </a:lnSpc>
-              <a:buNone/>
-            </a:pPr>
-            <a:endParaRPr lang="en-US" sz="1500" dirty="0">
-              <a:solidFill>
-                <a:srgbClr val="404040"/>
-              </a:solidFill>
-            </a:endParaRPr>
-          </a:p>
-          <a:p>
-            <a:pPr marL="0" indent="0">
-              <a:lnSpc>
-                <a:spcPct val="90000"/>
-              </a:lnSpc>
-              <a:buNone/>
-            </a:pPr>
-            <a:r>
-              <a:rPr lang="en-US" sz="1500" dirty="0">
-                <a:solidFill>
-                  <a:srgbClr val="404040"/>
-                </a:solidFill>
-              </a:rPr>
-              <a:t>You must provide attribution to external resources referenced (if any) in writing your code. </a:t>
-            </a:r>
-          </a:p>
-        </p:txBody>
-      </p:sp>
-    </p:spTree>
-    <p:extLst>
-      <p:ext uri="{BB962C8B-B14F-4D97-AF65-F5344CB8AC3E}">
-        <p14:creationId xmlns:p14="http://schemas.microsoft.com/office/powerpoint/2010/main" val="3486928114"/>
-      </p:ext>
-    </p:extLst>
-  </p:cSld>
-  <p:clrMapOvr>
-    <a:masterClrMapping/>
-  </p:clrMapOvr>
-</p:sld>
-</file>
-
-<file path=ppt/slides/slide3.xml><?xml version="1.0" encoding="utf-8"?>
-<p:sld xmlns:a="http://schemas.openxmlformats.org/drawingml/2006/main" xmlns:r="http://schemas.openxmlformats.org/officeDocument/2006/relationships" xmlns:p="http://schemas.openxmlformats.org/presentationml/2006/main">
-  <p:cSld>
-    <p:bg>
-      <p:bgPr>
-        <a:solidFill>
-          <a:schemeClr val="bg1">
-            <a:lumMod val="95000"/>
-          </a:schemeClr>
-        </a:solidFill>
-        <a:effectLst/>
-      </p:bgPr>
-    </p:bg>
-    <p:spTree>
-      <p:nvGrpSpPr>
-        <p:cNvPr id="1" name=""/>
-        <p:cNvGrpSpPr/>
-        <p:nvPr/>
-      </p:nvGrpSpPr>
-      <p:grpSpPr>
-        <a:xfrm>
-          <a:off x="0" y="0"/>
-          <a:ext cx="0" cy="0"/>
-          <a:chOff x="0" y="0"/>
-          <a:chExt cx="0" cy="0"/>
-        </a:xfrm>
-      </p:grpSpPr>
-      <p:sp>
-        <p:nvSpPr>
-          <p:cNvPr id="2" name="Title 1">
-            <a:extLst>
-              <a:ext uri="{FF2B5EF4-FFF2-40B4-BE49-F238E27FC236}">
-                <a16:creationId xmlns:a16="http://schemas.microsoft.com/office/drawing/2014/main" id="{52C214CB-D966-784A-8754-439CFF1F9FA5}"/>
-              </a:ext>
-            </a:extLst>
-          </p:cNvPr>
-          <p:cNvSpPr>
-            <a:spLocks noGrp="1"/>
-          </p:cNvSpPr>
-          <p:nvPr>
-            <p:ph type="title"/>
-          </p:nvPr>
-        </p:nvSpPr>
-        <p:spPr>
-          <a:xfrm>
-            <a:off x="5381807" y="964692"/>
-            <a:ext cx="5894832" cy="1188720"/>
-          </a:xfrm>
-        </p:spPr>
-        <p:txBody>
-          <a:bodyPr>
-            <a:normAutofit/>
-          </a:bodyPr>
-          <a:lstStyle/>
-          <a:p>
-            <a:r>
-              <a:rPr lang="en-US"/>
-              <a:t>Example</a:t>
-            </a:r>
-            <a:endParaRPr lang="en-US" dirty="0"/>
-          </a:p>
-        </p:txBody>
-      </p:sp>
-      <p:sp>
-        <p:nvSpPr>
-          <p:cNvPr id="1033" name="Rectangle 1032">
-            <a:extLst>
-              <a:ext uri="{FF2B5EF4-FFF2-40B4-BE49-F238E27FC236}">
-                <a16:creationId xmlns:a16="http://schemas.microsoft.com/office/drawing/2014/main" id="{21EEA9CC-FD23-4544-9417-FE9080DFB37C}"/>
-              </a:ext>
-              <a:ext uri="{C183D7F6-B498-43B3-948B-1728B52AA6E4}">
-                <adec:decorative xmlns:adec="http://schemas.microsoft.com/office/drawing/2017/decorative" val="1"/>
-              </a:ext>
-            </a:extLst>
-          </p:cNvPr>
-          <p:cNvSpPr>
-            <a:spLocks noGrp="1" noRot="1" noChangeAspect="1" noMove="1" noResize="1" noEditPoints="1" noAdjustHandles="1" noChangeArrowheads="1" noChangeShapeType="1" noTextEdit="1"/>
-          </p:cNvSpPr>
-          <p:nvPr>
-            <p:extLst>
-              <p:ext uri="{386F3935-93C4-4BCD-93E2-E3B085C9AB24}">
-                <p16:designElem xmlns:p16="http://schemas.microsoft.com/office/powerpoint/2015/main" val="1"/>
-              </p:ext>
-            </p:extLst>
-          </p:nvPr>
-        </p:nvSpPr>
-        <p:spPr>
-          <a:xfrm>
-            <a:off x="798315" y="964692"/>
-            <a:ext cx="3986784" cy="4936558"/>
-          </a:xfrm>
-          <a:prstGeom prst="rect">
-            <a:avLst/>
-          </a:prstGeom>
-          <a:noFill/>
-          <a:ln w="31750" cap="sq">
-            <a:solidFill>
-              <a:srgbClr val="FFFFFF"/>
-            </a:solidFill>
-            <a:miter lim="800000"/>
-          </a:ln>
-        </p:spPr>
-        <p:style>
-          <a:lnRef idx="2">
-            <a:schemeClr val="accent1">
-              <a:shade val="50000"/>
-            </a:schemeClr>
-          </a:lnRef>
-          <a:fillRef idx="1">
-            <a:schemeClr val="accent1"/>
-          </a:fillRef>
-          <a:effectRef idx="0">
-            <a:schemeClr val="accent1"/>
-          </a:effectRef>
-          <a:fontRef idx="minor">
-            <a:schemeClr val="lt1"/>
-          </a:fontRef>
-        </p:style>
-        <p:txBody>
-          <a:bodyPr rtlCol="0" anchor="ctr"/>
-          <a:lstStyle/>
-          <a:p>
-            <a:pPr algn="ctr"/>
-            <a:endParaRPr lang="en-US" dirty="0"/>
-          </a:p>
-        </p:txBody>
-      </p:sp>
-      <p:sp>
-        <p:nvSpPr>
-          <p:cNvPr id="1035" name="Rectangle 1034">
-            <a:extLst>
-              <a:ext uri="{FF2B5EF4-FFF2-40B4-BE49-F238E27FC236}">
-                <a16:creationId xmlns:a16="http://schemas.microsoft.com/office/drawing/2014/main" id="{BFC4C7DC-5B5A-4159-A1CF-D56CF640CD57}"/>
-              </a:ext>
-              <a:ext uri="{C183D7F6-B498-43B3-948B-1728B52AA6E4}">
-                <adec:decorative xmlns:adec="http://schemas.microsoft.com/office/drawing/2017/decorative" val="1"/>
-              </a:ext>
-            </a:extLst>
-          </p:cNvPr>
-          <p:cNvSpPr>
-            <a:spLocks noGrp="1" noRot="1" noChangeAspect="1" noMove="1" noResize="1" noEditPoints="1" noAdjustHandles="1" noChangeArrowheads="1" noChangeShapeType="1" noTextEdit="1"/>
-          </p:cNvSpPr>
-          <p:nvPr>
-            <p:extLst>
-              <p:ext uri="{386F3935-93C4-4BCD-93E2-E3B085C9AB24}">
-                <p16:designElem xmlns:p16="http://schemas.microsoft.com/office/powerpoint/2015/main" val="1"/>
-              </p:ext>
-            </p:extLst>
-          </p:nvPr>
-        </p:nvSpPr>
-        <p:spPr>
-          <a:xfrm>
-            <a:off x="962907" y="1128683"/>
-            <a:ext cx="3657600" cy="4608576"/>
-          </a:xfrm>
-          <a:prstGeom prst="rect">
-            <a:avLst/>
-          </a:prstGeom>
-          <a:solidFill>
-            <a:srgbClr val="FFFFFF"/>
-          </a:solidFill>
-          <a:ln>
-            <a:noFill/>
-          </a:ln>
-        </p:spPr>
-        <p:style>
-          <a:lnRef idx="2">
-            <a:schemeClr val="accent1">
-              <a:shade val="50000"/>
-            </a:schemeClr>
-          </a:lnRef>
-          <a:fillRef idx="1">
-            <a:schemeClr val="accent1"/>
-          </a:fillRef>
-          <a:effectRef idx="0">
-            <a:schemeClr val="accent1"/>
-          </a:effectRef>
-          <a:fontRef idx="minor">
-            <a:schemeClr val="lt1"/>
-          </a:fontRef>
-        </p:style>
-        <p:txBody>
-          <a:bodyPr rtlCol="0" anchor="ctr"/>
-          <a:lstStyle/>
-          <a:p>
-            <a:pPr algn="ctr"/>
-            <a:endParaRPr lang="en-US"/>
-          </a:p>
-        </p:txBody>
-      </p:sp>
-      <p:pic>
-        <p:nvPicPr>
-          <p:cNvPr id="1028" name="Picture 4" descr="Relationship between ERBB2 Expression and Cell Area">
-            <a:extLst>
-              <a:ext uri="{FF2B5EF4-FFF2-40B4-BE49-F238E27FC236}">
-                <a16:creationId xmlns:a16="http://schemas.microsoft.com/office/drawing/2014/main" id="{0870C192-D9C3-7D2A-0D9B-1EF8133C78AF}"/>
-              </a:ext>
-            </a:extLst>
-          </p:cNvPr>
-          <p:cNvPicPr>
-            <a:picLocks noChangeAspect="1" noChangeArrowheads="1"/>
-          </p:cNvPicPr>
-          <p:nvPr/>
-        </p:nvPicPr>
-        <p:blipFill>
-          <a:blip r:embed="rId2">
-            <a:extLst>
-              <a:ext uri="{28A0092B-C50C-407E-A947-70E740481C1C}">
-                <a14:useLocalDpi xmlns:a14="http://schemas.microsoft.com/office/drawing/2010/main" val="0"/>
-              </a:ext>
-            </a:extLst>
-          </a:blip>
-          <a:stretch>
-            <a:fillRect/>
-          </a:stretch>
-        </p:blipFill>
-        <p:spPr bwMode="auto">
-          <a:xfrm>
-            <a:off x="1127499" y="1768763"/>
-            <a:ext cx="3328416" cy="3328416"/>
-          </a:xfrm>
-          <a:prstGeom prst="rect">
-            <a:avLst/>
-          </a:prstGeom>
-          <a:noFill/>
-          <a:extLst>
-            <a:ext uri="{909E8E84-426E-40DD-AFC4-6F175D3DCCD1}">
-              <a14:hiddenFill xmlns:a14="http://schemas.microsoft.com/office/drawing/2010/main">
-                <a:solidFill>
-                  <a:srgbClr val="FFFFFF"/>
-                </a:solidFill>
-              </a14:hiddenFill>
-            </a:ext>
-          </a:extLst>
-        </p:spPr>
-      </p:pic>
-      <p:sp>
-        <p:nvSpPr>
-          <p:cNvPr id="9" name="Content Placeholder 8">
-            <a:extLst>
-              <a:ext uri="{FF2B5EF4-FFF2-40B4-BE49-F238E27FC236}">
-                <a16:creationId xmlns:a16="http://schemas.microsoft.com/office/drawing/2014/main" id="{E4910297-97F1-4882-8A61-83787693B793}"/>
-              </a:ext>
-            </a:extLst>
-          </p:cNvPr>
-          <p:cNvSpPr>
-            <a:spLocks noGrp="1"/>
-          </p:cNvSpPr>
-          <p:nvPr>
-            <p:ph idx="1"/>
-          </p:nvPr>
-        </p:nvSpPr>
-        <p:spPr>
-          <a:xfrm>
-            <a:off x="5380378" y="2638044"/>
-            <a:ext cx="5963317" cy="3263206"/>
-          </a:xfrm>
-        </p:spPr>
-        <p:txBody>
-          <a:bodyPr>
-            <a:normAutofit fontScale="92500" lnSpcReduction="20000"/>
-          </a:bodyPr>
-          <a:lstStyle/>
-          <a:p>
-            <a:pPr algn="l"/>
-            <a:r>
-              <a:rPr lang="en-US" sz="1100" b="1" i="0" dirty="0">
-                <a:effectLst/>
-                <a:latin typeface="-apple-system"/>
-              </a:rPr>
-              <a:t>What data types are you visualizing?</a:t>
-            </a:r>
-          </a:p>
-          <a:p>
-            <a:pPr marL="0" indent="0" algn="l">
-              <a:buNone/>
-            </a:pPr>
-            <a:r>
-              <a:rPr lang="en-US" sz="1100" b="0" i="0" dirty="0">
-                <a:effectLst/>
-                <a:latin typeface="Merriweather" pitchFamily="2" charset="77"/>
-              </a:rPr>
-              <a:t>I am visualizing quantitative data of the expression count of the ERBB2 gene for each cell, quantitative data of the area for each cell, and spatial data regarding the </a:t>
-            </a:r>
-            <a:r>
-              <a:rPr lang="en-US" sz="1100" b="0" i="0" dirty="0" err="1">
-                <a:effectLst/>
-                <a:latin typeface="Merriweather" pitchFamily="2" charset="77"/>
-              </a:rPr>
-              <a:t>x,y</a:t>
-            </a:r>
-            <a:r>
-              <a:rPr lang="en-US" sz="1100" b="0" i="0" dirty="0">
-                <a:effectLst/>
-                <a:latin typeface="Merriweather" pitchFamily="2" charset="77"/>
-              </a:rPr>
-              <a:t> centroid positions for each cell.</a:t>
-            </a:r>
-          </a:p>
-          <a:p>
-            <a:pPr algn="l"/>
-            <a:r>
-              <a:rPr lang="en-US" sz="1100" b="1" i="0" dirty="0">
-                <a:effectLst/>
-                <a:latin typeface="-apple-system"/>
-              </a:rPr>
-              <a:t>What data encodings are you using to visualize these data types?</a:t>
-            </a:r>
-          </a:p>
-          <a:p>
-            <a:pPr marL="0" indent="0" algn="l">
-              <a:buNone/>
-            </a:pPr>
-            <a:r>
-              <a:rPr lang="en-US" sz="1100" b="0" i="0" dirty="0">
-                <a:effectLst/>
-                <a:latin typeface="Merriweather" pitchFamily="2" charset="77"/>
-              </a:rPr>
-              <a:t>I am using the geometric primitive of points to represent each cell. To encode expression count of the ERBB2 gene, I am using the visual channel of position along the y axis. To encode the area for each cell, I am using the visual channel of size. To encode the spatial x position, I am using the visual channel of position along the x axis. To encode the spatial y position, I am using the visual channel of saturation going from an unsaturated </a:t>
-            </a:r>
-            <a:r>
-              <a:rPr lang="en-US" sz="1100" b="0" i="0" dirty="0" err="1">
-                <a:effectLst/>
-                <a:latin typeface="Merriweather" pitchFamily="2" charset="77"/>
-              </a:rPr>
-              <a:t>lightgrey</a:t>
-            </a:r>
-            <a:r>
-              <a:rPr lang="en-US" sz="1100" b="0" i="0" dirty="0">
-                <a:effectLst/>
-                <a:latin typeface="Merriweather" pitchFamily="2" charset="77"/>
-              </a:rPr>
-              <a:t> to a saturated red.</a:t>
-            </a:r>
-          </a:p>
-          <a:p>
-            <a:pPr algn="l"/>
-            <a:r>
-              <a:rPr lang="en-US" sz="1100" b="1" i="0" dirty="0">
-                <a:effectLst/>
-                <a:latin typeface="-apple-system"/>
-              </a:rPr>
-              <a:t>What about the data are you trying to make salient through this data visualization?</a:t>
-            </a:r>
-          </a:p>
-          <a:p>
-            <a:pPr marL="0" indent="0" algn="l">
-              <a:buNone/>
-            </a:pPr>
-            <a:r>
-              <a:rPr lang="en-US" sz="1100" b="0" i="0" dirty="0">
-                <a:effectLst/>
-                <a:latin typeface="Merriweather" pitchFamily="2" charset="77"/>
-              </a:rPr>
-              <a:t>My data visualization seeks to make more salient the relationship between ERBB2 expression and the cell area.</a:t>
-            </a:r>
-          </a:p>
-          <a:p>
-            <a:pPr algn="l"/>
-            <a:r>
-              <a:rPr lang="en-US" sz="1100" b="1" i="0" dirty="0">
-                <a:effectLst/>
-                <a:latin typeface="-apple-system"/>
-              </a:rPr>
-              <a:t>What Gestalt principles or knowledge about perceptiveness of visual encodings are you using to accomplish this?</a:t>
-            </a:r>
-          </a:p>
-          <a:p>
-            <a:pPr marL="0" indent="0" algn="l">
-              <a:buNone/>
-            </a:pPr>
-            <a:r>
-              <a:rPr lang="en-US" sz="1100" b="0" i="0" dirty="0">
-                <a:effectLst/>
-                <a:latin typeface="Merriweather" pitchFamily="2" charset="77"/>
-              </a:rPr>
-              <a:t>I am using the Gestalt principle of proximity to put my legends on one side.</a:t>
-            </a:r>
-          </a:p>
-        </p:txBody>
-      </p:sp>
-    </p:spTree>
-    <p:extLst>
-      <p:ext uri="{BB962C8B-B14F-4D97-AF65-F5344CB8AC3E}">
-        <p14:creationId xmlns:p14="http://schemas.microsoft.com/office/powerpoint/2010/main" val="2034133972"/>
-      </p:ext>
-    </p:extLst>
-  </p:cSld>
-  <p:clrMapOvr>
-    <a:masterClrMapping/>
-  </p:clrMapOvr>
-</p:sld>
-</file>
-
-<file path=ppt/slides/slide4.xml><?xml version="1.0" encoding="utf-8"?>
-<p:sld xmlns:a="http://schemas.openxmlformats.org/drawingml/2006/main" xmlns:r="http://schemas.openxmlformats.org/officeDocument/2006/relationships" xmlns:p="http://schemas.openxmlformats.org/presentationml/2006/main">
-  <p:cSld>
-    <p:spTree>
-      <p:nvGrpSpPr>
-        <p:cNvPr id="1" name=""/>
-        <p:cNvGrpSpPr/>
-        <p:nvPr/>
-      </p:nvGrpSpPr>
-      <p:grpSpPr>
-        <a:xfrm>
-          <a:off x="0" y="0"/>
-          <a:ext cx="0" cy="0"/>
-          <a:chOff x="0" y="0"/>
-          <a:chExt cx="0" cy="0"/>
-        </a:xfrm>
-      </p:grpSpPr>
-      <p:sp>
-        <p:nvSpPr>
-          <p:cNvPr id="2" name="Title 1">
-            <a:extLst>
-              <a:ext uri="{FF2B5EF4-FFF2-40B4-BE49-F238E27FC236}">
-                <a16:creationId xmlns:a16="http://schemas.microsoft.com/office/drawing/2014/main" id="{800F474C-0E54-2045-A5C3-8A7E3D8254E6}"/>
-              </a:ext>
-            </a:extLst>
-          </p:cNvPr>
-          <p:cNvSpPr>
-            <a:spLocks noGrp="1"/>
-          </p:cNvSpPr>
-          <p:nvPr>
-            <p:ph type="title"/>
-          </p:nvPr>
-        </p:nvSpPr>
-        <p:spPr/>
-        <p:txBody>
-          <a:bodyPr/>
-          <a:lstStyle/>
-          <a:p>
-            <a:r>
-              <a:rPr lang="en-US" dirty="0"/>
-              <a:t>Code used</a:t>
-            </a:r>
-          </a:p>
-        </p:txBody>
-      </p:sp>
-      <p:sp>
-        <p:nvSpPr>
-          <p:cNvPr id="3" name="Content Placeholder 2">
-            <a:extLst>
-              <a:ext uri="{FF2B5EF4-FFF2-40B4-BE49-F238E27FC236}">
-                <a16:creationId xmlns:a16="http://schemas.microsoft.com/office/drawing/2014/main" id="{5599E7FF-E09E-B245-BAEF-BFFF836D10E7}"/>
-              </a:ext>
-            </a:extLst>
-          </p:cNvPr>
-          <p:cNvSpPr>
-            <a:spLocks noGrp="1"/>
-          </p:cNvSpPr>
-          <p:nvPr>
-            <p:ph idx="1"/>
-          </p:nvPr>
-        </p:nvSpPr>
-        <p:spPr>
-          <a:xfrm>
-            <a:off x="1033153" y="2638044"/>
-            <a:ext cx="10497787" cy="3101983"/>
-          </a:xfrm>
-        </p:spPr>
-        <p:txBody>
-          <a:bodyPr>
-            <a:noAutofit/>
-          </a:bodyPr>
-          <a:lstStyle/>
-          <a:p>
-            <a:pPr marL="0" indent="0">
-              <a:lnSpc>
-                <a:spcPct val="120000"/>
-              </a:lnSpc>
-              <a:spcBef>
-                <a:spcPts val="0"/>
-              </a:spcBef>
-              <a:buNone/>
-            </a:pPr>
-            <a:r>
-              <a:rPr lang="en-US" sz="1200" dirty="0">
-                <a:latin typeface="Courier" pitchFamily="2" charset="0"/>
-              </a:rPr>
-              <a:t>file &lt;- '~/Desktop/genomic-data-visualization-2023/data/</a:t>
-            </a:r>
-            <a:r>
-              <a:rPr lang="en-US" sz="1200" dirty="0" err="1">
-                <a:latin typeface="Courier" pitchFamily="2" charset="0"/>
-              </a:rPr>
-              <a:t>charmander.csv.gz</a:t>
-            </a:r>
-            <a:r>
-              <a:rPr lang="en-US" sz="1200" dirty="0">
-                <a:latin typeface="Courier" pitchFamily="2" charset="0"/>
-              </a:rPr>
-              <a:t>'</a:t>
-            </a:r>
-          </a:p>
-          <a:p>
-            <a:pPr marL="0" indent="0">
-              <a:lnSpc>
-                <a:spcPct val="120000"/>
-              </a:lnSpc>
-              <a:spcBef>
-                <a:spcPts val="0"/>
-              </a:spcBef>
-              <a:buNone/>
-            </a:pPr>
-            <a:r>
-              <a:rPr lang="en-US" sz="1200" dirty="0">
-                <a:latin typeface="Courier" pitchFamily="2" charset="0"/>
-              </a:rPr>
-              <a:t>data &lt;- </a:t>
-            </a:r>
-            <a:r>
-              <a:rPr lang="en-US" sz="1200" dirty="0" err="1">
-                <a:latin typeface="Courier" pitchFamily="2" charset="0"/>
-              </a:rPr>
-              <a:t>read.csv</a:t>
-            </a:r>
-            <a:r>
-              <a:rPr lang="en-US" sz="1200" dirty="0">
-                <a:latin typeface="Courier" pitchFamily="2" charset="0"/>
-              </a:rPr>
-              <a:t>(file, </a:t>
-            </a:r>
-            <a:r>
-              <a:rPr lang="en-US" sz="1200" dirty="0" err="1">
-                <a:latin typeface="Courier" pitchFamily="2" charset="0"/>
-              </a:rPr>
-              <a:t>row.names</a:t>
-            </a:r>
-            <a:r>
-              <a:rPr lang="en-US" sz="1200" dirty="0">
-                <a:latin typeface="Courier" pitchFamily="2" charset="0"/>
-              </a:rPr>
-              <a:t>=1)</a:t>
-            </a:r>
-          </a:p>
-          <a:p>
-            <a:pPr marL="0" indent="0">
-              <a:lnSpc>
-                <a:spcPct val="120000"/>
-              </a:lnSpc>
-              <a:spcBef>
-                <a:spcPts val="0"/>
-              </a:spcBef>
-              <a:buNone/>
-            </a:pPr>
-            <a:endParaRPr lang="en-US" sz="1200" dirty="0">
-              <a:latin typeface="Courier" pitchFamily="2" charset="0"/>
-            </a:endParaRPr>
-          </a:p>
-          <a:p>
-            <a:pPr marL="0" indent="0">
-              <a:lnSpc>
-                <a:spcPct val="120000"/>
-              </a:lnSpc>
-              <a:spcBef>
-                <a:spcPts val="0"/>
-              </a:spcBef>
-              <a:buNone/>
-            </a:pPr>
-            <a:r>
-              <a:rPr lang="en-US" sz="1200" dirty="0">
-                <a:latin typeface="Courier" pitchFamily="2" charset="0"/>
-              </a:rPr>
-              <a:t>library(ggplot2)</a:t>
-            </a:r>
-          </a:p>
-          <a:p>
-            <a:pPr marL="0" indent="0">
-              <a:lnSpc>
-                <a:spcPct val="120000"/>
-              </a:lnSpc>
-              <a:spcBef>
-                <a:spcPts val="0"/>
-              </a:spcBef>
-              <a:buNone/>
-            </a:pPr>
-            <a:r>
-              <a:rPr lang="en-US" sz="1200" dirty="0" err="1">
-                <a:latin typeface="Courier" pitchFamily="2" charset="0"/>
-              </a:rPr>
-              <a:t>ggplot</a:t>
-            </a:r>
-            <a:r>
-              <a:rPr lang="en-US" sz="1200" dirty="0">
-                <a:latin typeface="Courier" pitchFamily="2" charset="0"/>
-              </a:rPr>
-              <a:t>(data, </a:t>
-            </a:r>
-            <a:r>
-              <a:rPr lang="en-US" sz="1200" dirty="0" err="1">
-                <a:latin typeface="Courier" pitchFamily="2" charset="0"/>
-              </a:rPr>
-              <a:t>aes</a:t>
-            </a:r>
-            <a:r>
-              <a:rPr lang="en-US" sz="1200" dirty="0">
-                <a:latin typeface="Courier" pitchFamily="2" charset="0"/>
-              </a:rPr>
-              <a:t>(x=</a:t>
-            </a:r>
-            <a:r>
-              <a:rPr lang="en-US" sz="1200" dirty="0" err="1">
-                <a:latin typeface="Courier" pitchFamily="2" charset="0"/>
-              </a:rPr>
-              <a:t>x_centroid</a:t>
-            </a:r>
-            <a:r>
-              <a:rPr lang="en-US" sz="1200" dirty="0">
-                <a:latin typeface="Courier" pitchFamily="2" charset="0"/>
-              </a:rPr>
-              <a:t>, y=ERBB2, col=</a:t>
-            </a:r>
-            <a:r>
-              <a:rPr lang="en-US" sz="1200" dirty="0" err="1">
-                <a:latin typeface="Courier" pitchFamily="2" charset="0"/>
-              </a:rPr>
-              <a:t>y_centroid</a:t>
-            </a:r>
-            <a:r>
-              <a:rPr lang="en-US" sz="1200" dirty="0">
-                <a:latin typeface="Courier" pitchFamily="2" charset="0"/>
-              </a:rPr>
-              <a:t>, size=area)) + </a:t>
-            </a:r>
-          </a:p>
-          <a:p>
-            <a:pPr marL="0" indent="0">
-              <a:lnSpc>
-                <a:spcPct val="120000"/>
-              </a:lnSpc>
-              <a:spcBef>
-                <a:spcPts val="0"/>
-              </a:spcBef>
-              <a:buNone/>
-            </a:pPr>
-            <a:r>
-              <a:rPr lang="en-US" sz="1200" dirty="0">
-                <a:latin typeface="Courier" pitchFamily="2" charset="0"/>
-              </a:rPr>
-              <a:t>  </a:t>
-            </a:r>
-            <a:r>
-              <a:rPr lang="en-US" sz="1200" dirty="0" err="1">
-                <a:latin typeface="Courier" pitchFamily="2" charset="0"/>
-              </a:rPr>
-              <a:t>scale_colour_gradient</a:t>
-            </a:r>
-            <a:r>
-              <a:rPr lang="en-US" sz="1200" dirty="0">
-                <a:latin typeface="Courier" pitchFamily="2" charset="0"/>
-              </a:rPr>
-              <a:t>(low = '</a:t>
-            </a:r>
-            <a:r>
-              <a:rPr lang="en-US" sz="1200" dirty="0" err="1">
-                <a:latin typeface="Courier" pitchFamily="2" charset="0"/>
-              </a:rPr>
-              <a:t>lightgrey</a:t>
-            </a:r>
-            <a:r>
-              <a:rPr lang="en-US" sz="1200" dirty="0">
-                <a:latin typeface="Courier" pitchFamily="2" charset="0"/>
-              </a:rPr>
-              <a:t>', high='red') + </a:t>
-            </a:r>
-          </a:p>
-          <a:p>
-            <a:pPr marL="0" indent="0">
-              <a:lnSpc>
-                <a:spcPct val="120000"/>
-              </a:lnSpc>
-              <a:spcBef>
-                <a:spcPts val="0"/>
-              </a:spcBef>
-              <a:buNone/>
-            </a:pPr>
-            <a:r>
-              <a:rPr lang="en-US" sz="1200" dirty="0">
-                <a:latin typeface="Courier" pitchFamily="2" charset="0"/>
-              </a:rPr>
-              <a:t>  </a:t>
-            </a:r>
-            <a:r>
-              <a:rPr lang="en-US" sz="1200" dirty="0" err="1">
-                <a:latin typeface="Courier" pitchFamily="2" charset="0"/>
-              </a:rPr>
-              <a:t>geom_point</a:t>
-            </a:r>
-            <a:r>
-              <a:rPr lang="en-US" sz="1200" dirty="0">
-                <a:latin typeface="Courier" pitchFamily="2" charset="0"/>
-              </a:rPr>
-              <a:t>() +</a:t>
-            </a:r>
-          </a:p>
-          <a:p>
-            <a:pPr marL="0" indent="0">
-              <a:lnSpc>
-                <a:spcPct val="120000"/>
-              </a:lnSpc>
-              <a:spcBef>
-                <a:spcPts val="0"/>
-              </a:spcBef>
-              <a:buNone/>
-            </a:pPr>
-            <a:r>
-              <a:rPr lang="en-US" sz="1200" dirty="0">
-                <a:latin typeface="Courier" pitchFamily="2" charset="0"/>
-              </a:rPr>
-              <a:t>  </a:t>
-            </a:r>
-            <a:r>
-              <a:rPr lang="en-US" sz="1200" dirty="0" err="1">
-                <a:latin typeface="Courier" pitchFamily="2" charset="0"/>
-              </a:rPr>
-              <a:t>theme_minimal</a:t>
-            </a:r>
-            <a:r>
-              <a:rPr lang="en-US" sz="1200" dirty="0">
-                <a:latin typeface="Courier" pitchFamily="2" charset="0"/>
-              </a:rPr>
-              <a:t>() </a:t>
-            </a:r>
-          </a:p>
-        </p:txBody>
-      </p:sp>
-    </p:spTree>
-    <p:extLst>
-      <p:ext uri="{BB962C8B-B14F-4D97-AF65-F5344CB8AC3E}">
-        <p14:creationId xmlns:p14="http://schemas.microsoft.com/office/powerpoint/2010/main" val="1366316372"/>
-      </p:ext>
-    </p:extLst>
-  </p:cSld>
-  <p:clrMapOvr>
-    <a:masterClrMapping/>
-  </p:clrMapOvr>
-</p:sld>
-</file>
-
-<file path=ppt/slides/slide5.xml><?xml version="1.0" encoding="utf-8"?>
-<p:sld xmlns:a="http://schemas.openxmlformats.org/drawingml/2006/main" xmlns:r="http://schemas.openxmlformats.org/officeDocument/2006/relationships" xmlns:p="http://schemas.openxmlformats.org/presentationml/2006/main">
-  <p:cSld>
-    <p:spTree>
-      <p:nvGrpSpPr>
-        <p:cNvPr id="1" name=""/>
-        <p:cNvGrpSpPr/>
-        <p:nvPr/>
-      </p:nvGrpSpPr>
-      <p:grpSpPr>
-        <a:xfrm>
-          <a:off x="0" y="0"/>
-          <a:ext cx="0" cy="0"/>
-          <a:chOff x="0" y="0"/>
-          <a:chExt cx="0" cy="0"/>
-        </a:xfrm>
-      </p:grpSpPr>
-      <p:sp>
-        <p:nvSpPr>
-          <p:cNvPr id="4" name="Title 3">
-            <a:extLst>
-              <a:ext uri="{FF2B5EF4-FFF2-40B4-BE49-F238E27FC236}">
-                <a16:creationId xmlns:a16="http://schemas.microsoft.com/office/drawing/2014/main" id="{3A14E3D3-CEFF-A440-953D-97FBCB2BE115}"/>
-              </a:ext>
-            </a:extLst>
-          </p:cNvPr>
-          <p:cNvSpPr>
-            <a:spLocks noGrp="1"/>
-          </p:cNvSpPr>
-          <p:nvPr>
-            <p:ph type="ctrTitle"/>
-          </p:nvPr>
-        </p:nvSpPr>
-        <p:spPr/>
-        <p:txBody>
-          <a:bodyPr/>
-          <a:lstStyle/>
-          <a:p>
-            <a:r>
-              <a:rPr lang="en-US" dirty="0"/>
-              <a:t>Submitting your HW</a:t>
-            </a:r>
-          </a:p>
-        </p:txBody>
-      </p:sp>
-    </p:spTree>
-    <p:extLst>
-      <p:ext uri="{BB962C8B-B14F-4D97-AF65-F5344CB8AC3E}">
-        <p14:creationId xmlns:p14="http://schemas.microsoft.com/office/powerpoint/2010/main" val="615013976"/>
-      </p:ext>
-    </p:extLst>
-  </p:cSld>
-  <p:clrMapOvr>
-    <a:masterClrMapping/>
-  </p:clrMapOvr>
-</p:sld>
-</file>
-
-<file path=ppt/slides/slide6.xml><?xml version="1.0" encoding="utf-8"?>
-<p:sld xmlns:a="http://schemas.openxmlformats.org/drawingml/2006/main" xmlns:r="http://schemas.openxmlformats.org/officeDocument/2006/relationships" xmlns:p="http://schemas.openxmlformats.org/presentationml/2006/main">
-  <p:cSld>
-    <p:bg>
-      <p:bgPr>
-        <a:solidFill>
-          <a:schemeClr val="bg1"/>
-        </a:solidFill>
-        <a:effectLst/>
-      </p:bgPr>
-    </p:bg>
-    <p:spTree>
-      <p:nvGrpSpPr>
-        <p:cNvPr id="1" name=""/>
-        <p:cNvGrpSpPr/>
-        <p:nvPr/>
-      </p:nvGrpSpPr>
-      <p:grpSpPr>
-        <a:xfrm>
-          <a:off x="0" y="0"/>
-          <a:ext cx="0" cy="0"/>
-          <a:chOff x="0" y="0"/>
-          <a:chExt cx="0" cy="0"/>
-        </a:xfrm>
-      </p:grpSpPr>
-      <p:sp>
-        <p:nvSpPr>
-          <p:cNvPr id="26" name="Rectangle 25">
-            <a:extLst>
-              <a:ext uri="{FF2B5EF4-FFF2-40B4-BE49-F238E27FC236}">
-                <a16:creationId xmlns:a16="http://schemas.microsoft.com/office/drawing/2014/main" id="{C33976D1-3430-450C-A978-87A9A6E8E71F}"/>
-              </a:ext>
-              <a:ext uri="{C183D7F6-B498-43B3-948B-1728B52AA6E4}">
-                <adec:decorative xmlns:adec="http://schemas.microsoft.com/office/drawing/2017/decorative" val="1"/>
-              </a:ext>
-            </a:extLst>
-          </p:cNvPr>
-          <p:cNvSpPr>
-            <a:spLocks noGrp="1" noRot="1" noChangeAspect="1" noMove="1" noResize="1" noEditPoints="1" noAdjustHandles="1" noChangeArrowheads="1" noChangeShapeType="1" noTextEdit="1"/>
-          </p:cNvSpPr>
-          <p:nvPr>
-            <p:extLst>
-              <p:ext uri="{386F3935-93C4-4BCD-93E2-E3B085C9AB24}">
-                <p16:designElem xmlns:p16="http://schemas.microsoft.com/office/powerpoint/2015/main" val="1"/>
-              </p:ext>
-            </p:extLst>
-          </p:nvPr>
-        </p:nvSpPr>
-        <p:spPr>
-          <a:xfrm>
-            <a:off x="0" y="0"/>
-            <a:ext cx="12192000" cy="6858000"/>
-          </a:xfrm>
-          <a:prstGeom prst="rect">
-            <a:avLst/>
-          </a:prstGeom>
-          <a:solidFill>
-            <a:schemeClr val="accent2"/>
-          </a:solidFill>
-          <a:ln>
-            <a:noFill/>
-          </a:ln>
-        </p:spPr>
-        <p:style>
-          <a:lnRef idx="2">
-            <a:schemeClr val="accent1">
-              <a:shade val="50000"/>
-            </a:schemeClr>
-          </a:lnRef>
-          <a:fillRef idx="1">
-            <a:schemeClr val="accent1"/>
-          </a:fillRef>
-          <a:effectRef idx="0">
-            <a:schemeClr val="accent1"/>
-          </a:effectRef>
-          <a:fontRef idx="minor">
-            <a:schemeClr val="lt1"/>
-          </a:fontRef>
-        </p:style>
-        <p:txBody>
-          <a:bodyPr rtlCol="0" anchor="ctr"/>
-          <a:lstStyle/>
-          <a:p>
-            <a:pPr algn="ctr"/>
-            <a:endParaRPr lang="en-US"/>
-          </a:p>
-        </p:txBody>
-      </p:sp>
-      <p:sp>
-        <p:nvSpPr>
-          <p:cNvPr id="28" name="Rectangle 27">
-            <a:extLst>
-              <a:ext uri="{FF2B5EF4-FFF2-40B4-BE49-F238E27FC236}">
-                <a16:creationId xmlns:a16="http://schemas.microsoft.com/office/drawing/2014/main" id="{7D6AAC78-7D86-415A-ADC1-2B474807960C}"/>
-              </a:ext>
-              <a:ext uri="{C183D7F6-B498-43B3-948B-1728B52AA6E4}">
-                <adec:decorative xmlns:adec="http://schemas.microsoft.com/office/drawing/2017/decorative" val="1"/>
-              </a:ext>
-            </a:extLst>
-          </p:cNvPr>
-          <p:cNvSpPr>
-            <a:spLocks noGrp="1" noRot="1" noChangeAspect="1" noMove="1" noResize="1" noEditPoints="1" noAdjustHandles="1" noChangeArrowheads="1" noChangeShapeType="1" noTextEdit="1"/>
-          </p:cNvSpPr>
-          <p:nvPr>
-            <p:extLst>
-              <p:ext uri="{386F3935-93C4-4BCD-93E2-E3B085C9AB24}">
-                <p16:designElem xmlns:p16="http://schemas.microsoft.com/office/powerpoint/2015/main" val="1"/>
-              </p:ext>
-            </p:extLst>
-          </p:nvPr>
-        </p:nvSpPr>
-        <p:spPr>
-          <a:xfrm>
-            <a:off x="1249680" y="1248156"/>
-            <a:ext cx="9692640" cy="4361688"/>
-          </a:xfrm>
-          <a:prstGeom prst="rect">
-            <a:avLst/>
-          </a:prstGeom>
-          <a:solidFill>
-            <a:srgbClr val="FFFFFF"/>
-          </a:solidFill>
-          <a:ln>
-            <a:noFill/>
-          </a:ln>
-        </p:spPr>
-        <p:style>
-          <a:lnRef idx="2">
-            <a:schemeClr val="accent1">
-              <a:shade val="50000"/>
-            </a:schemeClr>
-          </a:lnRef>
-          <a:fillRef idx="1">
-            <a:schemeClr val="accent1"/>
-          </a:fillRef>
-          <a:effectRef idx="0">
-            <a:schemeClr val="accent1"/>
-          </a:effectRef>
-          <a:fontRef idx="minor">
-            <a:schemeClr val="lt1"/>
-          </a:fontRef>
-        </p:style>
-        <p:txBody>
-          <a:bodyPr rtlCol="0" anchor="ctr"/>
-          <a:lstStyle/>
-          <a:p>
-            <a:pPr algn="ctr"/>
-            <a:endParaRPr lang="en-US"/>
-          </a:p>
-        </p:txBody>
-      </p:sp>
-      <p:sp>
-        <p:nvSpPr>
-          <p:cNvPr id="30" name="Rectangle 29">
-            <a:extLst>
-              <a:ext uri="{FF2B5EF4-FFF2-40B4-BE49-F238E27FC236}">
-                <a16:creationId xmlns:a16="http://schemas.microsoft.com/office/drawing/2014/main" id="{F2A658D9-F185-44F1-BA33-D50320D1D078}"/>
-              </a:ext>
-              <a:ext uri="{C183D7F6-B498-43B3-948B-1728B52AA6E4}">
-                <adec:decorative xmlns:adec="http://schemas.microsoft.com/office/drawing/2017/decorative" val="1"/>
-              </a:ext>
-            </a:extLst>
-          </p:cNvPr>
-          <p:cNvSpPr>
-            <a:spLocks noGrp="1" noRot="1" noChangeAspect="1" noMove="1" noResize="1" noEditPoints="1" noAdjustHandles="1" noChangeArrowheads="1" noChangeShapeType="1" noTextEdit="1"/>
-          </p:cNvSpPr>
-          <p:nvPr>
-            <p:extLst>
-              <p:ext uri="{386F3935-93C4-4BCD-93E2-E3B085C9AB24}">
-                <p16:designElem xmlns:p16="http://schemas.microsoft.com/office/powerpoint/2015/main" val="1"/>
-              </p:ext>
-            </p:extLst>
-          </p:nvPr>
-        </p:nvSpPr>
-        <p:spPr>
-          <a:xfrm>
-            <a:off x="1062228" y="1060704"/>
-            <a:ext cx="10067544" cy="4736592"/>
-          </a:xfrm>
-          <a:prstGeom prst="rect">
-            <a:avLst/>
-          </a:prstGeom>
-          <a:noFill/>
-          <a:ln w="31750" cap="sq">
-            <a:solidFill>
-              <a:srgbClr val="FFFFFF"/>
-            </a:solidFill>
-            <a:miter lim="800000"/>
-          </a:ln>
-        </p:spPr>
-        <p:style>
-          <a:lnRef idx="2">
-            <a:schemeClr val="accent1">
-              <a:shade val="50000"/>
-            </a:schemeClr>
-          </a:lnRef>
-          <a:fillRef idx="1">
-            <a:schemeClr val="accent1"/>
-          </a:fillRef>
-          <a:effectRef idx="0">
-            <a:schemeClr val="accent1"/>
-          </a:effectRef>
-          <a:fontRef idx="minor">
-            <a:schemeClr val="lt1"/>
-          </a:fontRef>
-        </p:style>
-        <p:txBody>
-          <a:bodyPr rtlCol="0" anchor="ctr"/>
-          <a:lstStyle/>
-          <a:p>
-            <a:pPr algn="ctr"/>
-            <a:endParaRPr lang="en-US"/>
-          </a:p>
-        </p:txBody>
-      </p:sp>
-      <p:sp>
-        <p:nvSpPr>
-          <p:cNvPr id="2" name="Title 1">
-            <a:extLst>
-              <a:ext uri="{FF2B5EF4-FFF2-40B4-BE49-F238E27FC236}">
-                <a16:creationId xmlns:a16="http://schemas.microsoft.com/office/drawing/2014/main" id="{94D8A67B-C41D-C04F-A9CD-C8CCBE14AC7C}"/>
-              </a:ext>
-            </a:extLst>
-          </p:cNvPr>
-          <p:cNvSpPr>
-            <a:spLocks noGrp="1"/>
-          </p:cNvSpPr>
-          <p:nvPr>
-            <p:ph type="title"/>
-          </p:nvPr>
-        </p:nvSpPr>
-        <p:spPr>
-          <a:xfrm>
-            <a:off x="2231136" y="467418"/>
-            <a:ext cx="7729728" cy="1188720"/>
-          </a:xfrm>
-        </p:spPr>
-        <p:txBody>
-          <a:bodyPr>
-            <a:normAutofit/>
-          </a:bodyPr>
-          <a:lstStyle/>
-          <a:p>
-            <a:r>
-              <a:rPr lang="en-US" sz="2000" dirty="0"/>
-              <a:t>To submit your homework, follow the steps from HW0, summarized here</a:t>
-            </a:r>
-          </a:p>
-        </p:txBody>
-      </p:sp>
-      <p:sp>
-        <p:nvSpPr>
-          <p:cNvPr id="9" name="Content Placeholder 2">
-            <a:extLst>
-              <a:ext uri="{FF2B5EF4-FFF2-40B4-BE49-F238E27FC236}">
-                <a16:creationId xmlns:a16="http://schemas.microsoft.com/office/drawing/2014/main" id="{3CB996ED-CE04-4444-B7E2-ADBC4AFA0419}"/>
-              </a:ext>
-            </a:extLst>
-          </p:cNvPr>
-          <p:cNvSpPr>
-            <a:spLocks noGrp="1"/>
-          </p:cNvSpPr>
-          <p:nvPr>
-            <p:ph idx="1"/>
-          </p:nvPr>
-        </p:nvSpPr>
-        <p:spPr>
-          <a:xfrm>
-            <a:off x="1706062" y="2291262"/>
-            <a:ext cx="8779512" cy="2879256"/>
-          </a:xfrm>
-        </p:spPr>
-        <p:txBody>
-          <a:bodyPr>
-            <a:normAutofit/>
-          </a:bodyPr>
-          <a:lstStyle/>
-          <a:p>
-            <a:pPr marL="0" indent="0">
-              <a:lnSpc>
-                <a:spcPct val="90000"/>
-              </a:lnSpc>
-              <a:buNone/>
-            </a:pPr>
-            <a:r>
-              <a:rPr lang="en-US" sz="1500" dirty="0">
-                <a:solidFill>
-                  <a:srgbClr val="404040"/>
-                </a:solidFill>
-              </a:rPr>
-              <a:t>0.  Update your personal fork by fetching upstream</a:t>
-            </a:r>
-          </a:p>
-          <a:p>
-            <a:pPr marL="0" indent="0">
-              <a:lnSpc>
-                <a:spcPct val="90000"/>
-              </a:lnSpc>
-              <a:buNone/>
-            </a:pPr>
-            <a:r>
-              <a:rPr lang="en-US" sz="1500" dirty="0">
-                <a:solidFill>
-                  <a:srgbClr val="404040"/>
-                </a:solidFill>
-              </a:rPr>
-              <a:t>1. Save your data visualization to the homework/</a:t>
-            </a:r>
-            <a:r>
-              <a:rPr lang="en-US" sz="1500" dirty="0" err="1">
-                <a:solidFill>
-                  <a:srgbClr val="404040"/>
-                </a:solidFill>
-              </a:rPr>
-              <a:t>hw</a:t>
-            </a:r>
-            <a:r>
-              <a:rPr lang="en-US" sz="1500" dirty="0">
-                <a:solidFill>
-                  <a:srgbClr val="404040"/>
-                </a:solidFill>
-              </a:rPr>
-              <a:t>[N]/ folder using </a:t>
-            </a:r>
-            <a:r>
-              <a:rPr lang="en-US" sz="1500" dirty="0" err="1">
-                <a:solidFill>
-                  <a:srgbClr val="404040"/>
-                </a:solidFill>
-              </a:rPr>
-              <a:t>hw</a:t>
-            </a:r>
-            <a:r>
-              <a:rPr lang="en-US" sz="1500" dirty="0">
-                <a:solidFill>
-                  <a:srgbClr val="404040"/>
-                </a:solidFill>
-              </a:rPr>
-              <a:t>[N]_[</a:t>
-            </a:r>
-            <a:r>
-              <a:rPr lang="en-US" sz="1500" dirty="0" err="1">
-                <a:solidFill>
-                  <a:srgbClr val="404040"/>
-                </a:solidFill>
-              </a:rPr>
-              <a:t>jhed</a:t>
-            </a:r>
-            <a:r>
-              <a:rPr lang="en-US" sz="1500" dirty="0">
-                <a:solidFill>
-                  <a:srgbClr val="404040"/>
-                </a:solidFill>
-              </a:rPr>
-              <a:t>].</a:t>
-            </a:r>
-            <a:r>
-              <a:rPr lang="en-US" sz="1500" dirty="0" err="1">
-                <a:solidFill>
-                  <a:srgbClr val="404040"/>
-                </a:solidFill>
-              </a:rPr>
-              <a:t>png</a:t>
-            </a:r>
-            <a:endParaRPr lang="en-US" sz="1500" dirty="0">
-              <a:solidFill>
-                <a:srgbClr val="404040"/>
-              </a:solidFill>
-            </a:endParaRPr>
-          </a:p>
-          <a:p>
-            <a:pPr marL="0" indent="0">
-              <a:lnSpc>
-                <a:spcPct val="90000"/>
-              </a:lnSpc>
-              <a:buNone/>
-            </a:pPr>
-            <a:r>
-              <a:rPr lang="en-US" sz="1500" dirty="0">
-                <a:solidFill>
-                  <a:srgbClr val="404040"/>
-                </a:solidFill>
-              </a:rPr>
-              <a:t>2. Create a .md file in main/_posts/ following the 2023-01-21-jfan9.md file</a:t>
-            </a:r>
-          </a:p>
-          <a:p>
-            <a:pPr marL="0" indent="0">
-              <a:lnSpc>
-                <a:spcPct val="90000"/>
-              </a:lnSpc>
-              <a:buNone/>
-            </a:pPr>
-            <a:r>
-              <a:rPr lang="en-US" sz="1500" dirty="0">
-                <a:solidFill>
-                  <a:srgbClr val="404040"/>
-                </a:solidFill>
-              </a:rPr>
-              <a:t>3. Double check your post and make a pull request as you learned from HW0</a:t>
-            </a:r>
-          </a:p>
-          <a:p>
-            <a:pPr marL="0" indent="0">
-              <a:lnSpc>
-                <a:spcPct val="90000"/>
-              </a:lnSpc>
-              <a:buNone/>
-            </a:pPr>
-            <a:endParaRPr lang="en-US" sz="1500" dirty="0">
-              <a:solidFill>
-                <a:srgbClr val="404040"/>
-              </a:solidFill>
-            </a:endParaRPr>
-          </a:p>
-        </p:txBody>
-      </p:sp>
-    </p:spTree>
-    <p:extLst>
-      <p:ext uri="{BB962C8B-B14F-4D97-AF65-F5344CB8AC3E}">
-        <p14:creationId xmlns:p14="http://schemas.microsoft.com/office/powerpoint/2010/main" val="1345784553"/>
-      </p:ext>
-    </p:extLst>
-  </p:cSld>
-  <p:clrMapOvr>
-    <a:masterClrMapping/>
-  </p:clrMapOvr>
-</p:sld>
-</file>
-
-<file path=ppt/slides/slide7.xml><?xml version="1.0" encoding="utf-8"?>
-<p:sld xmlns:a="http://schemas.openxmlformats.org/drawingml/2006/main" xmlns:r="http://schemas.openxmlformats.org/officeDocument/2006/relationships" xmlns:p="http://schemas.openxmlformats.org/presentationml/2006/main">
-  <p:cSld>
-    <p:spTree>
-      <p:nvGrpSpPr>
-        <p:cNvPr id="1" name=""/>
-        <p:cNvGrpSpPr/>
-        <p:nvPr/>
-      </p:nvGrpSpPr>
-      <p:grpSpPr>
-        <a:xfrm>
-          <a:off x="0" y="0"/>
-          <a:ext cx="0" cy="0"/>
-          <a:chOff x="0" y="0"/>
-          <a:chExt cx="0" cy="0"/>
-        </a:xfrm>
-      </p:grpSpPr>
-      <p:sp>
-        <p:nvSpPr>
-          <p:cNvPr id="2" name="Title 1">
-            <a:extLst>
-              <a:ext uri="{FF2B5EF4-FFF2-40B4-BE49-F238E27FC236}">
-                <a16:creationId xmlns:a16="http://schemas.microsoft.com/office/drawing/2014/main" id="{0F613BC9-5672-324A-BEEC-FF4F97861E7F}"/>
-              </a:ext>
-            </a:extLst>
-          </p:cNvPr>
-          <p:cNvSpPr>
-            <a:spLocks noGrp="1"/>
-          </p:cNvSpPr>
-          <p:nvPr>
-            <p:ph type="title"/>
-          </p:nvPr>
-        </p:nvSpPr>
-        <p:spPr/>
-        <p:txBody>
-          <a:bodyPr>
-            <a:normAutofit/>
-          </a:bodyPr>
-          <a:lstStyle/>
-          <a:p>
-            <a:r>
-              <a:rPr lang="en-US" dirty="0">
-                <a:solidFill>
-                  <a:srgbClr val="404040"/>
-                </a:solidFill>
-              </a:rPr>
-              <a:t>0. Update your personal fork by fetching upstream</a:t>
-            </a:r>
-            <a:endParaRPr lang="en-US" dirty="0"/>
-          </a:p>
-        </p:txBody>
-      </p:sp>
-      <p:pic>
-        <p:nvPicPr>
-          <p:cNvPr id="15" name="Content Placeholder 10">
-            <a:extLst>
-              <a:ext uri="{FF2B5EF4-FFF2-40B4-BE49-F238E27FC236}">
-                <a16:creationId xmlns:a16="http://schemas.microsoft.com/office/drawing/2014/main" id="{FBFF714A-73F4-7646-AD0F-E7CBE8BC22CB}"/>
-              </a:ext>
-            </a:extLst>
-          </p:cNvPr>
-          <p:cNvPicPr>
-            <a:picLocks noGrp="1" noChangeAspect="1"/>
-          </p:cNvPicPr>
-          <p:nvPr>
-            <p:ph idx="1"/>
-          </p:nvPr>
-        </p:nvPicPr>
-        <p:blipFill>
-          <a:blip r:embed="rId2"/>
-          <a:stretch>
-            <a:fillRect/>
-          </a:stretch>
-        </p:blipFill>
-        <p:spPr>
-          <a:xfrm>
-            <a:off x="1901371" y="2478768"/>
-            <a:ext cx="8389257" cy="4037012"/>
-          </a:xfrm>
-          <a:prstGeom prst="rect">
-            <a:avLst/>
-          </a:prstGeom>
-        </p:spPr>
-      </p:pic>
-      <p:sp>
-        <p:nvSpPr>
-          <p:cNvPr id="16" name="Rectangle 15">
-            <a:extLst>
-              <a:ext uri="{FF2B5EF4-FFF2-40B4-BE49-F238E27FC236}">
-                <a16:creationId xmlns:a16="http://schemas.microsoft.com/office/drawing/2014/main" id="{B98FA45E-1CC2-2942-84B8-8645DD69ABAD}"/>
-              </a:ext>
-            </a:extLst>
-          </p:cNvPr>
-          <p:cNvSpPr/>
-          <p:nvPr/>
-        </p:nvSpPr>
-        <p:spPr>
-          <a:xfrm>
-            <a:off x="6562814" y="4154374"/>
-            <a:ext cx="1084804" cy="342900"/>
-          </a:xfrm>
-          <a:prstGeom prst="rect">
-            <a:avLst/>
-          </a:prstGeom>
-          <a:noFill/>
-          <a:ln w="76200">
-            <a:solidFill>
-              <a:srgbClr val="FFFF00"/>
-            </a:solidFill>
-          </a:ln>
-        </p:spPr>
-        <p:style>
-          <a:lnRef idx="2">
-            <a:schemeClr val="accent1">
-              <a:shade val="50000"/>
-            </a:schemeClr>
-          </a:lnRef>
-          <a:fillRef idx="1">
-            <a:schemeClr val="accent1"/>
-          </a:fillRef>
-          <a:effectRef idx="0">
-            <a:schemeClr val="accent1"/>
-          </a:effectRef>
-          <a:fontRef idx="minor">
-            <a:schemeClr val="lt1"/>
-          </a:fontRef>
-        </p:style>
-        <p:txBody>
-          <a:bodyPr rtlCol="0" anchor="ctr"/>
-          <a:lstStyle/>
-          <a:p>
-            <a:pPr algn="ctr"/>
-            <a:endParaRPr lang="en-US"/>
-          </a:p>
-        </p:txBody>
-      </p:sp>
-    </p:spTree>
-    <p:extLst>
-      <p:ext uri="{BB962C8B-B14F-4D97-AF65-F5344CB8AC3E}">
-        <p14:creationId xmlns:p14="http://schemas.microsoft.com/office/powerpoint/2010/main" val="2388328988"/>
-      </p:ext>
-    </p:extLst>
-  </p:cSld>
-  <p:clrMapOvr>
-    <a:masterClrMapping/>
-  </p:clrMapOvr>
-</p:sld>
-</file>
-
-<file path=ppt/slides/slide8.xml><?xml version="1.0" encoding="utf-8"?>
-<p:sld xmlns:a="http://schemas.openxmlformats.org/drawingml/2006/main" xmlns:r="http://schemas.openxmlformats.org/officeDocument/2006/relationships" xmlns:p="http://schemas.openxmlformats.org/presentationml/2006/main">
-  <p:cSld>
-    <p:spTree>
-      <p:nvGrpSpPr>
-        <p:cNvPr id="1" name=""/>
-        <p:cNvGrpSpPr/>
-        <p:nvPr/>
-      </p:nvGrpSpPr>
-      <p:grpSpPr>
-        <a:xfrm>
-          <a:off x="0" y="0"/>
-          <a:ext cx="0" cy="0"/>
-          <a:chOff x="0" y="0"/>
-          <a:chExt cx="0" cy="0"/>
-        </a:xfrm>
-      </p:grpSpPr>
-      <p:sp>
-        <p:nvSpPr>
-          <p:cNvPr id="2" name="Title 1">
-            <a:extLst>
-              <a:ext uri="{FF2B5EF4-FFF2-40B4-BE49-F238E27FC236}">
-                <a16:creationId xmlns:a16="http://schemas.microsoft.com/office/drawing/2014/main" id="{6D98D694-8775-F24C-BA84-84001A185CD9}"/>
-              </a:ext>
-            </a:extLst>
-          </p:cNvPr>
-          <p:cNvSpPr>
-            <a:spLocks noGrp="1"/>
-          </p:cNvSpPr>
-          <p:nvPr>
-            <p:ph type="title"/>
-          </p:nvPr>
-        </p:nvSpPr>
-        <p:spPr/>
-        <p:txBody>
-          <a:bodyPr>
-            <a:normAutofit fontScale="90000"/>
-          </a:bodyPr>
-          <a:lstStyle/>
-          <a:p>
-            <a:r>
-              <a:rPr lang="en-US" dirty="0">
-                <a:solidFill>
-                  <a:srgbClr val="404040"/>
-                </a:solidFill>
-              </a:rPr>
-              <a:t>1. Save your data visualization to the homework/</a:t>
-            </a:r>
-            <a:r>
-              <a:rPr lang="en-US" dirty="0" err="1">
-                <a:solidFill>
-                  <a:srgbClr val="404040"/>
-                </a:solidFill>
-              </a:rPr>
-              <a:t>hw</a:t>
-            </a:r>
-            <a:r>
-              <a:rPr lang="en-US" dirty="0">
-                <a:solidFill>
-                  <a:srgbClr val="404040"/>
-                </a:solidFill>
-              </a:rPr>
-              <a:t>[N]/ folder using </a:t>
-            </a:r>
-            <a:r>
-              <a:rPr lang="en-US" sz="2800" dirty="0">
-                <a:solidFill>
-                  <a:srgbClr val="404040"/>
-                </a:solidFill>
-              </a:rPr>
-              <a:t>/</a:t>
-            </a:r>
-            <a:r>
-              <a:rPr lang="en-US" sz="2800" dirty="0" err="1">
-                <a:solidFill>
-                  <a:srgbClr val="404040"/>
-                </a:solidFill>
-              </a:rPr>
-              <a:t>hw</a:t>
-            </a:r>
-            <a:r>
-              <a:rPr lang="en-US" sz="2800" dirty="0">
-                <a:solidFill>
-                  <a:srgbClr val="404040"/>
-                </a:solidFill>
-              </a:rPr>
-              <a:t>[N]/ folder using </a:t>
-            </a:r>
-            <a:r>
-              <a:rPr lang="en-US" sz="2800" dirty="0" err="1">
-                <a:solidFill>
-                  <a:srgbClr val="404040"/>
-                </a:solidFill>
-              </a:rPr>
-              <a:t>hw</a:t>
-            </a:r>
-            <a:r>
-              <a:rPr lang="en-US" sz="2800" dirty="0">
-                <a:solidFill>
-                  <a:srgbClr val="404040"/>
-                </a:solidFill>
-              </a:rPr>
-              <a:t>[N]_[</a:t>
-            </a:r>
-            <a:r>
-              <a:rPr lang="en-US" sz="2800" dirty="0" err="1">
-                <a:solidFill>
-                  <a:srgbClr val="404040"/>
-                </a:solidFill>
-              </a:rPr>
-              <a:t>jhed</a:t>
-            </a:r>
-            <a:r>
-              <a:rPr lang="en-US" sz="2800" dirty="0">
-                <a:solidFill>
-                  <a:srgbClr val="404040"/>
-                </a:solidFill>
-              </a:rPr>
-              <a:t>].</a:t>
-            </a:r>
-            <a:r>
-              <a:rPr lang="en-US" sz="2800" dirty="0" err="1">
-                <a:solidFill>
-                  <a:srgbClr val="404040"/>
-                </a:solidFill>
-              </a:rPr>
-              <a:t>png</a:t>
-            </a:r>
-            <a:endParaRPr lang="en-US" dirty="0">
-              <a:solidFill>
-                <a:srgbClr val="404040"/>
-              </a:solidFill>
-              <a:latin typeface="+mn-lt"/>
-            </a:endParaRPr>
-          </a:p>
-        </p:txBody>
-      </p:sp>
-      <p:pic>
-        <p:nvPicPr>
-          <p:cNvPr id="10" name="Picture 9" descr="Graphical user interface, application&#10;&#10;Description automatically generated">
-            <a:extLst>
-              <a:ext uri="{FF2B5EF4-FFF2-40B4-BE49-F238E27FC236}">
-                <a16:creationId xmlns:a16="http://schemas.microsoft.com/office/drawing/2014/main" id="{C313CAD1-ED4C-8244-B495-E4CAAE2B91E2}"/>
-              </a:ext>
-            </a:extLst>
-          </p:cNvPr>
-          <p:cNvPicPr>
-            <a:picLocks noChangeAspect="1"/>
-          </p:cNvPicPr>
-          <p:nvPr/>
-        </p:nvPicPr>
-        <p:blipFill>
-          <a:blip r:embed="rId2"/>
-          <a:stretch>
-            <a:fillRect/>
-          </a:stretch>
-        </p:blipFill>
-        <p:spPr>
-          <a:xfrm>
-            <a:off x="2850467" y="2382854"/>
-            <a:ext cx="5829075" cy="3996173"/>
-          </a:xfrm>
-          <a:prstGeom prst="rect">
-            <a:avLst/>
-          </a:prstGeom>
-        </p:spPr>
-      </p:pic>
-    </p:spTree>
-    <p:extLst>
-      <p:ext uri="{BB962C8B-B14F-4D97-AF65-F5344CB8AC3E}">
-        <p14:creationId xmlns:p14="http://schemas.microsoft.com/office/powerpoint/2010/main" val="2178692491"/>
-      </p:ext>
-    </p:extLst>
-  </p:cSld>
-  <p:clrMapOvr>
-    <a:masterClrMapping/>
-  </p:clrMapOvr>
-</p:sld>
-</file>
-
-<file path=ppt/slides/slide9.xml><?xml version="1.0" encoding="utf-8"?>
-<p:sld xmlns:a="http://schemas.openxmlformats.org/drawingml/2006/main" xmlns:r="http://schemas.openxmlformats.org/officeDocument/2006/relationships" xmlns:p="http://schemas.openxmlformats.org/presentationml/2006/main">
-  <p:cSld>
-    <p:spTree>
-      <p:nvGrpSpPr>
-        <p:cNvPr id="1" name=""/>
-        <p:cNvGrpSpPr/>
-        <p:nvPr/>
-      </p:nvGrpSpPr>
-      <p:grpSpPr>
-        <a:xfrm>
-          <a:off x="0" y="0"/>
-          <a:ext cx="0" cy="0"/>
-          <a:chOff x="0" y="0"/>
-          <a:chExt cx="0" cy="0"/>
-        </a:xfrm>
-      </p:grpSpPr>
-      <p:sp>
-        <p:nvSpPr>
-          <p:cNvPr id="2" name="Title 1">
-            <a:extLst>
-              <a:ext uri="{FF2B5EF4-FFF2-40B4-BE49-F238E27FC236}">
-                <a16:creationId xmlns:a16="http://schemas.microsoft.com/office/drawing/2014/main" id="{92071CCC-6D13-D94C-81E4-2743EB8220B8}"/>
-              </a:ext>
-            </a:extLst>
-          </p:cNvPr>
-          <p:cNvSpPr>
-            <a:spLocks noGrp="1"/>
-          </p:cNvSpPr>
-          <p:nvPr>
-            <p:ph type="title"/>
-          </p:nvPr>
-        </p:nvSpPr>
-        <p:spPr/>
-        <p:txBody>
-          <a:bodyPr>
-            <a:normAutofit fontScale="90000"/>
-          </a:bodyPr>
-          <a:lstStyle/>
-          <a:p>
-            <a:r>
-              <a:rPr lang="en-US" dirty="0">
-                <a:solidFill>
-                  <a:srgbClr val="404040"/>
-                </a:solidFill>
-              </a:rPr>
-              <a:t>2. Create a .md file in main/_posts/ following the 2023-01-21-jfan9.md file</a:t>
-            </a:r>
-            <a:endParaRPr lang="en-US" dirty="0"/>
-          </a:p>
-        </p:txBody>
-      </p:sp>
-      <p:sp>
-        <p:nvSpPr>
-          <p:cNvPr id="3" name="Content Placeholder 2">
-            <a:extLst>
-              <a:ext uri="{FF2B5EF4-FFF2-40B4-BE49-F238E27FC236}">
-                <a16:creationId xmlns:a16="http://schemas.microsoft.com/office/drawing/2014/main" id="{01EC8C99-4B58-DB4B-BD39-74F15AE214AA}"/>
-              </a:ext>
-            </a:extLst>
-          </p:cNvPr>
-          <p:cNvSpPr>
-            <a:spLocks noGrp="1"/>
-          </p:cNvSpPr>
-          <p:nvPr>
-            <p:ph idx="1"/>
-          </p:nvPr>
-        </p:nvSpPr>
-        <p:spPr>
-          <a:xfrm>
-            <a:off x="6978732" y="2638044"/>
-            <a:ext cx="2982132" cy="3101983"/>
-          </a:xfrm>
-        </p:spPr>
-        <p:txBody>
-          <a:bodyPr>
-            <a:noAutofit/>
-          </a:bodyPr>
-          <a:lstStyle/>
-          <a:p>
-            <a:pPr marL="0" indent="0">
-              <a:spcBef>
-                <a:spcPts val="0"/>
-              </a:spcBef>
-              <a:buNone/>
-            </a:pPr>
-            <a:r>
-              <a:rPr lang="en-US" sz="800" dirty="0">
-                <a:latin typeface="Courier" pitchFamily="2" charset="0"/>
-              </a:rPr>
-              <a:t>---</a:t>
-            </a:r>
-          </a:p>
-          <a:p>
-            <a:pPr marL="0" indent="0">
-              <a:spcBef>
-                <a:spcPts val="0"/>
-              </a:spcBef>
-              <a:buNone/>
-            </a:pPr>
-            <a:r>
-              <a:rPr lang="en-US" sz="800" dirty="0">
-                <a:latin typeface="Courier" pitchFamily="2" charset="0"/>
-              </a:rPr>
-              <a:t>layout: post</a:t>
-            </a:r>
-          </a:p>
-          <a:p>
-            <a:pPr marL="0" indent="0">
-              <a:spcBef>
-                <a:spcPts val="0"/>
-              </a:spcBef>
-              <a:buNone/>
-            </a:pPr>
-            <a:r>
-              <a:rPr lang="en-US" sz="800" dirty="0">
-                <a:latin typeface="Courier" pitchFamily="2" charset="0"/>
-              </a:rPr>
-              <a:t>title:  "</a:t>
-            </a:r>
-            <a:r>
-              <a:rPr lang="en-US" sz="800" dirty="0">
-                <a:highlight>
-                  <a:srgbClr val="FFFF00"/>
-                </a:highlight>
-                <a:latin typeface="Courier" pitchFamily="2" charset="0"/>
-              </a:rPr>
-              <a:t>Sample Homework Submission</a:t>
-            </a:r>
-            <a:r>
-              <a:rPr lang="en-US" sz="800" dirty="0">
-                <a:latin typeface="Courier" pitchFamily="2" charset="0"/>
-              </a:rPr>
-              <a:t>"</a:t>
-            </a:r>
-          </a:p>
-          <a:p>
-            <a:pPr marL="0" indent="0">
-              <a:spcBef>
-                <a:spcPts val="0"/>
-              </a:spcBef>
-              <a:buNone/>
-            </a:pPr>
-            <a:r>
-              <a:rPr lang="en-US" sz="800" dirty="0">
-                <a:latin typeface="Courier" pitchFamily="2" charset="0"/>
-              </a:rPr>
-              <a:t>author: </a:t>
-            </a:r>
-            <a:r>
-              <a:rPr lang="en-US" sz="800" dirty="0">
-                <a:highlight>
-                  <a:srgbClr val="FFFF00"/>
-                </a:highlight>
-                <a:latin typeface="Courier" pitchFamily="2" charset="0"/>
-              </a:rPr>
-              <a:t>Prof. Jean Fan</a:t>
-            </a:r>
-          </a:p>
-          <a:p>
-            <a:pPr marL="0" indent="0">
-              <a:spcBef>
-                <a:spcPts val="0"/>
-              </a:spcBef>
-              <a:buNone/>
-            </a:pPr>
-            <a:r>
-              <a:rPr lang="en-US" sz="800" dirty="0" err="1">
-                <a:latin typeface="Courier" pitchFamily="2" charset="0"/>
-              </a:rPr>
-              <a:t>jhed</a:t>
-            </a:r>
-            <a:r>
-              <a:rPr lang="en-US" sz="800" dirty="0">
-                <a:latin typeface="Courier" pitchFamily="2" charset="0"/>
-              </a:rPr>
-              <a:t>: </a:t>
-            </a:r>
-            <a:r>
-              <a:rPr lang="en-US" sz="800" dirty="0">
-                <a:highlight>
-                  <a:srgbClr val="FFFF00"/>
-                </a:highlight>
-                <a:latin typeface="Courier" pitchFamily="2" charset="0"/>
-              </a:rPr>
-              <a:t>jfan9</a:t>
-            </a:r>
-          </a:p>
-          <a:p>
-            <a:pPr marL="0" indent="0">
-              <a:spcBef>
-                <a:spcPts val="0"/>
-              </a:spcBef>
-              <a:buNone/>
-            </a:pPr>
-            <a:r>
-              <a:rPr lang="en-US" sz="800" dirty="0">
-                <a:latin typeface="Courier" pitchFamily="2" charset="0"/>
-              </a:rPr>
-              <a:t>categories: [ HW</a:t>
-            </a:r>
-            <a:r>
-              <a:rPr lang="en-US" sz="800" dirty="0">
-                <a:highlight>
-                  <a:srgbClr val="FFFF00"/>
-                </a:highlight>
-                <a:latin typeface="Courier" pitchFamily="2" charset="0"/>
-              </a:rPr>
-              <a:t>1</a:t>
-            </a:r>
-            <a:r>
-              <a:rPr lang="en-US" sz="800" dirty="0">
-                <a:latin typeface="Courier" pitchFamily="2" charset="0"/>
-              </a:rPr>
-              <a:t> ]</a:t>
-            </a:r>
-          </a:p>
-          <a:p>
-            <a:pPr marL="0" indent="0">
-              <a:spcBef>
-                <a:spcPts val="0"/>
-              </a:spcBef>
-              <a:buNone/>
-            </a:pPr>
-            <a:r>
-              <a:rPr lang="en-US" sz="800" dirty="0">
-                <a:latin typeface="Courier" pitchFamily="2" charset="0"/>
-              </a:rPr>
-              <a:t>image: homework/hw</a:t>
-            </a:r>
-            <a:r>
-              <a:rPr lang="en-US" sz="800" dirty="0">
-                <a:highlight>
-                  <a:srgbClr val="FFFF00"/>
-                </a:highlight>
-                <a:latin typeface="Courier" pitchFamily="2" charset="0"/>
-              </a:rPr>
-              <a:t>1</a:t>
-            </a:r>
-            <a:r>
-              <a:rPr lang="en-US" sz="800" dirty="0">
-                <a:latin typeface="Courier" pitchFamily="2" charset="0"/>
-              </a:rPr>
-              <a:t>/</a:t>
-            </a:r>
-            <a:r>
-              <a:rPr lang="en-US" sz="800" dirty="0">
-                <a:highlight>
-                  <a:srgbClr val="FFFF00"/>
-                </a:highlight>
-                <a:latin typeface="Courier" pitchFamily="2" charset="0"/>
-              </a:rPr>
-              <a:t>jeanfan_hw1.png</a:t>
-            </a:r>
-          </a:p>
-          <a:p>
-            <a:pPr marL="0" indent="0">
-              <a:spcBef>
-                <a:spcPts val="0"/>
-              </a:spcBef>
-              <a:buNone/>
-            </a:pPr>
-            <a:r>
-              <a:rPr lang="en-US" sz="800" dirty="0">
-                <a:latin typeface="Courier" pitchFamily="2" charset="0"/>
-              </a:rPr>
-              <a:t>featured: false</a:t>
-            </a:r>
-          </a:p>
-          <a:p>
-            <a:pPr marL="0" indent="0">
-              <a:spcBef>
-                <a:spcPts val="0"/>
-              </a:spcBef>
-              <a:buNone/>
-            </a:pPr>
-            <a:r>
-              <a:rPr lang="en-US" sz="800" dirty="0">
-                <a:latin typeface="Courier" pitchFamily="2" charset="0"/>
-              </a:rPr>
-              <a:t>---</a:t>
-            </a:r>
-          </a:p>
-          <a:p>
-            <a:pPr marL="0" indent="0">
-              <a:spcBef>
-                <a:spcPts val="0"/>
-              </a:spcBef>
-              <a:buNone/>
-            </a:pPr>
-            <a:endParaRPr lang="en-US" sz="800" dirty="0">
-              <a:latin typeface="Courier" pitchFamily="2" charset="0"/>
-            </a:endParaRPr>
-          </a:p>
-          <a:p>
-            <a:pPr marL="0" indent="0">
-              <a:spcBef>
-                <a:spcPts val="0"/>
-              </a:spcBef>
-              <a:buNone/>
-            </a:pPr>
-            <a:r>
-              <a:rPr lang="en-US" sz="800" dirty="0">
-                <a:highlight>
-                  <a:srgbClr val="FFFF00"/>
-                </a:highlight>
-                <a:latin typeface="Courier" pitchFamily="2" charset="0"/>
-              </a:rPr>
-              <a:t>[description]</a:t>
-            </a:r>
-          </a:p>
-          <a:p>
-            <a:pPr marL="0" indent="0">
-              <a:spcBef>
-                <a:spcPts val="0"/>
-              </a:spcBef>
-              <a:buNone/>
-            </a:pPr>
-            <a:endParaRPr lang="en-US" sz="800" dirty="0">
-              <a:highlight>
-                <a:srgbClr val="FFFF00"/>
-              </a:highlight>
-              <a:latin typeface="Courier" pitchFamily="2" charset="0"/>
-            </a:endParaRPr>
-          </a:p>
-          <a:p>
-            <a:pPr marL="0" indent="0">
-              <a:spcBef>
-                <a:spcPts val="0"/>
-              </a:spcBef>
-              <a:buNone/>
-            </a:pPr>
-            <a:r>
-              <a:rPr lang="en-US" sz="800" dirty="0">
-                <a:highlight>
-                  <a:srgbClr val="FFFF00"/>
-                </a:highlight>
-                <a:latin typeface="Courier" pitchFamily="2" charset="0"/>
-              </a:rPr>
-              <a:t>```{r}</a:t>
-            </a:r>
-          </a:p>
-          <a:p>
-            <a:pPr marL="0" indent="0">
-              <a:spcBef>
-                <a:spcPts val="0"/>
-              </a:spcBef>
-              <a:buNone/>
-            </a:pPr>
-            <a:r>
-              <a:rPr lang="en-US" sz="800" dirty="0">
-                <a:highlight>
-                  <a:srgbClr val="FFFF00"/>
-                </a:highlight>
-                <a:latin typeface="Courier" pitchFamily="2" charset="0"/>
-              </a:rPr>
-              <a:t>[code]</a:t>
-            </a:r>
-          </a:p>
-          <a:p>
-            <a:pPr marL="0" indent="0">
-              <a:spcBef>
-                <a:spcPts val="0"/>
-              </a:spcBef>
-              <a:buNone/>
-            </a:pPr>
-            <a:r>
-              <a:rPr lang="en-US" sz="800" dirty="0">
-                <a:highlight>
-                  <a:srgbClr val="FFFF00"/>
-                </a:highlight>
-                <a:latin typeface="Courier" pitchFamily="2" charset="0"/>
-              </a:rPr>
-              <a:t>```</a:t>
-            </a:r>
-          </a:p>
-          <a:p>
-            <a:pPr marL="0" indent="0">
-              <a:spcBef>
-                <a:spcPts val="0"/>
-              </a:spcBef>
-              <a:buNone/>
-            </a:pPr>
-            <a:endParaRPr lang="en-US" sz="800" dirty="0">
-              <a:latin typeface="Courier" pitchFamily="2" charset="0"/>
-            </a:endParaRPr>
-          </a:p>
-        </p:txBody>
-      </p:sp>
-      <p:sp>
-        <p:nvSpPr>
-          <p:cNvPr id="5" name="Content Placeholder 2">
-            <a:extLst>
-              <a:ext uri="{FF2B5EF4-FFF2-40B4-BE49-F238E27FC236}">
-                <a16:creationId xmlns:a16="http://schemas.microsoft.com/office/drawing/2014/main" id="{5D7C7DC2-34E9-C642-9910-3DD26FCB892B}"/>
-              </a:ext>
-            </a:extLst>
-          </p:cNvPr>
-          <p:cNvSpPr txBox="1">
-            <a:spLocks/>
-          </p:cNvSpPr>
-          <p:nvPr/>
-        </p:nvSpPr>
-        <p:spPr>
-          <a:xfrm>
-            <a:off x="2231136" y="2638044"/>
-            <a:ext cx="4039035" cy="3101983"/>
-          </a:xfrm>
-          <a:prstGeom prst="rect">
-            <a:avLst/>
-          </a:prstGeom>
-        </p:spPr>
-        <p:txBody>
-          <a:bodyPr vert="horz" lIns="91440" tIns="45720" rIns="91440" bIns="45720" rtlCol="0">
-            <a:normAutofit fontScale="92500" lnSpcReduction="20000"/>
-          </a:bodyPr>
-          <a:lstStyle>
-            <a:lvl1pPr marL="228600" indent="-228600" algn="l" defTabSz="914400" rtl="0" eaLnBrk="1" latinLnBrk="0" hangingPunct="1">
-              <a:lnSpc>
-                <a:spcPct val="100000"/>
-              </a:lnSpc>
-              <a:spcBef>
-                <a:spcPts val="1000"/>
-              </a:spcBef>
-              <a:buClr>
-                <a:schemeClr val="accent2"/>
-              </a:buClr>
-              <a:buFont typeface="Arial" panose="020B0604020202020204" pitchFamily="34" charset="0"/>
-              <a:buChar char="•"/>
-              <a:defRPr sz="1800" kern="1200">
-                <a:solidFill>
-                  <a:schemeClr val="tx1">
-                    <a:lumMod val="85000"/>
-                    <a:lumOff val="15000"/>
-                  </a:schemeClr>
-                </a:solidFill>
-                <a:latin typeface="+mn-lt"/>
-                <a:ea typeface="+mn-ea"/>
-                <a:cs typeface="+mn-cs"/>
-              </a:defRPr>
-            </a:lvl1pPr>
-            <a:lvl2pPr marL="457200" indent="-228600" algn="l" defTabSz="914400" rtl="0" eaLnBrk="1" latinLnBrk="0" hangingPunct="1">
-              <a:lnSpc>
-                <a:spcPct val="100000"/>
-              </a:lnSpc>
-              <a:spcBef>
-                <a:spcPts val="1000"/>
-              </a:spcBef>
-              <a:buClr>
-                <a:schemeClr val="accent2"/>
-              </a:buClr>
-              <a:buFont typeface="Arial" panose="020B0604020202020204" pitchFamily="34" charset="0"/>
-              <a:buChar char="•"/>
-              <a:defRPr sz="1600" kern="1200">
-                <a:solidFill>
-                  <a:schemeClr val="tx1">
-                    <a:lumMod val="85000"/>
-                    <a:lumOff val="15000"/>
-                  </a:schemeClr>
-                </a:solidFill>
-                <a:latin typeface="+mn-lt"/>
-                <a:ea typeface="+mn-ea"/>
-                <a:cs typeface="+mn-cs"/>
-              </a:defRPr>
-            </a:lvl2pPr>
-            <a:lvl3pPr marL="685800" indent="-228600" algn="l" defTabSz="914400" rtl="0" eaLnBrk="1" latinLnBrk="0" hangingPunct="1">
-              <a:lnSpc>
-                <a:spcPct val="100000"/>
-              </a:lnSpc>
-              <a:spcBef>
-                <a:spcPts val="1000"/>
-              </a:spcBef>
-              <a:buClr>
-                <a:schemeClr val="accent2"/>
-              </a:buClr>
-              <a:buFont typeface="Arial" panose="020B0604020202020204" pitchFamily="34" charset="0"/>
-              <a:buChar char="•"/>
-              <a:defRPr sz="1600" kern="1200">
-                <a:solidFill>
-                  <a:schemeClr val="tx1">
-                    <a:lumMod val="85000"/>
-                    <a:lumOff val="15000"/>
-                  </a:schemeClr>
-                </a:solidFill>
-                <a:latin typeface="+mn-lt"/>
-                <a:ea typeface="+mn-ea"/>
-                <a:cs typeface="+mn-cs"/>
-              </a:defRPr>
-            </a:lvl3pPr>
-            <a:lvl4pPr marL="914400" indent="-228600" algn="l" defTabSz="914400" rtl="0" eaLnBrk="1" latinLnBrk="0" hangingPunct="1">
-              <a:lnSpc>
-                <a:spcPct val="100000"/>
-              </a:lnSpc>
-              <a:spcBef>
-                <a:spcPts val="1000"/>
-              </a:spcBef>
-              <a:buClr>
-                <a:schemeClr val="accent2"/>
-              </a:buClr>
-              <a:buFont typeface="Arial" panose="020B0604020202020204" pitchFamily="34" charset="0"/>
-              <a:buChar char="•"/>
-              <a:defRPr sz="1600" kern="1200">
-                <a:solidFill>
-                  <a:schemeClr val="tx1">
-                    <a:lumMod val="85000"/>
-                    <a:lumOff val="15000"/>
-                  </a:schemeClr>
-                </a:solidFill>
-                <a:latin typeface="+mn-lt"/>
-                <a:ea typeface="+mn-ea"/>
-                <a:cs typeface="+mn-cs"/>
-              </a:defRPr>
-            </a:lvl4pPr>
-            <a:lvl5pPr marL="1143000" indent="-228600" algn="l" defTabSz="914400" rtl="0" eaLnBrk="1" latinLnBrk="0" hangingPunct="1">
-              <a:lnSpc>
-                <a:spcPct val="100000"/>
-              </a:lnSpc>
-              <a:spcBef>
-                <a:spcPts val="1000"/>
-              </a:spcBef>
-              <a:buClr>
-                <a:schemeClr val="accent2"/>
-              </a:buClr>
-              <a:buFont typeface="Arial" panose="020B0604020202020204" pitchFamily="34" charset="0"/>
-              <a:buChar char="•"/>
-              <a:defRPr sz="1600" kern="1200">
-                <a:solidFill>
-                  <a:schemeClr val="tx1">
-                    <a:lumMod val="85000"/>
-                    <a:lumOff val="15000"/>
-                  </a:schemeClr>
-                </a:solidFill>
-                <a:latin typeface="+mn-lt"/>
-                <a:ea typeface="+mn-ea"/>
-                <a:cs typeface="+mn-cs"/>
-              </a:defRPr>
-            </a:lvl5pPr>
-            <a:lvl6pPr marL="1312863" indent="-228600" algn="l" defTabSz="914400" rtl="0" eaLnBrk="1" latinLnBrk="0" hangingPunct="1">
-              <a:lnSpc>
-                <a:spcPct val="100000"/>
-              </a:lnSpc>
-              <a:spcBef>
-                <a:spcPts val="1000"/>
-              </a:spcBef>
-              <a:buClr>
-                <a:schemeClr val="accent2"/>
-              </a:buClr>
-              <a:buFont typeface="Arial" panose="020B0604020202020204" pitchFamily="34" charset="0"/>
-              <a:buChar char="•"/>
-              <a:defRPr sz="1600" kern="1200">
-                <a:solidFill>
-                  <a:schemeClr val="tx1"/>
-                </a:solidFill>
-                <a:latin typeface="+mn-lt"/>
-                <a:ea typeface="+mn-ea"/>
-                <a:cs typeface="+mn-cs"/>
-              </a:defRPr>
-            </a:lvl6pPr>
-            <a:lvl7pPr marL="1484313" indent="-228600" algn="l" defTabSz="914400" rtl="0" eaLnBrk="1" latinLnBrk="0" hangingPunct="1">
-              <a:lnSpc>
-                <a:spcPct val="100000"/>
-              </a:lnSpc>
-              <a:spcBef>
-                <a:spcPts val="1000"/>
-              </a:spcBef>
-              <a:buClr>
-                <a:schemeClr val="accent2"/>
-              </a:buClr>
-              <a:buFont typeface="Arial" panose="020B0604020202020204" pitchFamily="34" charset="0"/>
-              <a:buChar char="•"/>
-              <a:defRPr sz="1600" kern="1200">
-                <a:solidFill>
-                  <a:schemeClr val="tx1"/>
-                </a:solidFill>
-                <a:latin typeface="+mn-lt"/>
-                <a:ea typeface="+mn-ea"/>
-                <a:cs typeface="+mn-cs"/>
-              </a:defRPr>
-            </a:lvl7pPr>
-            <a:lvl8pPr marL="1657350" indent="-228600" algn="l" defTabSz="914400" rtl="0" eaLnBrk="1" latinLnBrk="0" hangingPunct="1">
-              <a:lnSpc>
-                <a:spcPct val="100000"/>
-              </a:lnSpc>
-              <a:spcBef>
-                <a:spcPts val="1000"/>
-              </a:spcBef>
-              <a:buClr>
-                <a:schemeClr val="accent2"/>
-              </a:buClr>
-              <a:buFont typeface="Arial" panose="020B0604020202020204" pitchFamily="34" charset="0"/>
-              <a:buChar char="•"/>
-              <a:defRPr sz="1600" kern="1200" baseline="0">
-                <a:solidFill>
-                  <a:schemeClr val="tx1"/>
-                </a:solidFill>
-                <a:latin typeface="+mn-lt"/>
-                <a:ea typeface="+mn-ea"/>
-                <a:cs typeface="+mn-cs"/>
-              </a:defRPr>
-            </a:lvl8pPr>
-            <a:lvl9pPr marL="1882775" indent="-228600" algn="l" defTabSz="914400" rtl="0" eaLnBrk="1" latinLnBrk="0" hangingPunct="1">
-              <a:lnSpc>
-                <a:spcPct val="100000"/>
-              </a:lnSpc>
-              <a:spcBef>
-                <a:spcPts val="1000"/>
-              </a:spcBef>
-              <a:buClr>
-                <a:schemeClr val="accent2"/>
-              </a:buClr>
-              <a:buFont typeface="Arial" panose="020B0604020202020204" pitchFamily="34" charset="0"/>
-              <a:buChar char="•"/>
-              <a:defRPr sz="1600" kern="1200" baseline="0">
-                <a:solidFill>
-                  <a:schemeClr val="tx1"/>
-                </a:solidFill>
-                <a:latin typeface="+mn-lt"/>
-                <a:ea typeface="+mn-ea"/>
-                <a:cs typeface="+mn-cs"/>
-              </a:defRPr>
-            </a:lvl9pPr>
-          </a:lstStyle>
-          <a:p>
-            <a:r>
-              <a:rPr lang="en-US" dirty="0"/>
-              <a:t>Update the date on the file name to [the date the homework was assigned]-[your </a:t>
-            </a:r>
-            <a:r>
-              <a:rPr lang="en-US" dirty="0" err="1"/>
-              <a:t>jhed</a:t>
-            </a:r>
-            <a:r>
-              <a:rPr lang="en-US" dirty="0"/>
-              <a:t>].md</a:t>
-            </a:r>
-          </a:p>
-          <a:p>
-            <a:pPr lvl="1"/>
-            <a:r>
-              <a:rPr lang="en-US" dirty="0"/>
-              <a:t>Note that the format of the date is [year]-[month]-[day]</a:t>
-            </a:r>
-          </a:p>
-          <a:p>
-            <a:r>
-              <a:rPr lang="en-US" dirty="0"/>
-              <a:t>Your file will likely look something like this to the right but with the highlighted components changed</a:t>
-            </a:r>
-          </a:p>
-          <a:p>
-            <a:r>
-              <a:rPr lang="en-US" dirty="0"/>
-              <a:t>Note that the ”image:” should point to the image you just uploaded to the homework/ folder so please update the file names accordingly</a:t>
-            </a:r>
-          </a:p>
-          <a:p>
-            <a:endParaRPr lang="en-US" dirty="0"/>
-          </a:p>
-        </p:txBody>
-      </p:sp>
-    </p:spTree>
-    <p:extLst>
-      <p:ext uri="{BB962C8B-B14F-4D97-AF65-F5344CB8AC3E}">
-        <p14:creationId xmlns:p14="http://schemas.microsoft.com/office/powerpoint/2010/main" val="3559407415"/>
       </p:ext>
     </p:extLst>
   </p:cSld>
